--- a/documentation/MobiTech_OilQualityDetection.pptx
+++ b/documentation/MobiTech_OilQualityDetection.pptx
@@ -4,6 +4,9 @@
   <p:sldMasterIdLst>
     <p:sldMasterId id="2147483648" r:id="rId4"/>
   </p:sldMasterIdLst>
+  <p:notesMasterIdLst>
+    <p:notesMasterId r:id="rId15"/>
+  </p:notesMasterIdLst>
   <p:sldIdLst>
     <p:sldId id="261" r:id="rId5"/>
     <p:sldId id="262" r:id="rId6"/>
@@ -130,6 +133,1532 @@
     </p:ext>
   </p:extLst>
 </p:presentation>
+</file>
+
+<file path=ppt/notesMasters/notesMaster1.xml><?xml version="1.0" encoding="utf-8"?>
+<p:notesMaster xmlns:a="http://schemas.openxmlformats.org/drawingml/2006/main" xmlns:r="http://schemas.openxmlformats.org/officeDocument/2006/relationships" xmlns:p="http://schemas.openxmlformats.org/presentationml/2006/main">
+  <p:cSld>
+    <p:bg>
+      <p:bgRef idx="1001">
+        <a:schemeClr val="bg1"/>
+      </p:bgRef>
+    </p:bg>
+    <p:spTree>
+      <p:nvGrpSpPr>
+        <p:cNvPr id="1" name=""/>
+        <p:cNvGrpSpPr/>
+        <p:nvPr/>
+      </p:nvGrpSpPr>
+      <p:grpSpPr>
+        <a:xfrm>
+          <a:off x="0" y="0"/>
+          <a:ext cx="0" cy="0"/>
+          <a:chOff x="0" y="0"/>
+          <a:chExt cx="0" cy="0"/>
+        </a:xfrm>
+      </p:grpSpPr>
+      <p:sp>
+        <p:nvSpPr>
+          <p:cNvPr id="2" name="Header Placeholder 1"/>
+          <p:cNvSpPr>
+            <a:spLocks noGrp="1"/>
+          </p:cNvSpPr>
+          <p:nvPr>
+            <p:ph type="hdr" sz="quarter"/>
+          </p:nvPr>
+        </p:nvSpPr>
+        <p:spPr>
+          <a:xfrm>
+            <a:off x="0" y="0"/>
+            <a:ext cx="2971800" cy="458788"/>
+          </a:xfrm>
+          <a:prstGeom prst="rect">
+            <a:avLst/>
+          </a:prstGeom>
+        </p:spPr>
+        <p:txBody>
+          <a:bodyPr vert="horz" lIns="91440" tIns="45720" rIns="91440" bIns="45720" rtlCol="0"/>
+          <a:lstStyle>
+            <a:lvl1pPr algn="l">
+              <a:defRPr sz="1200"/>
+            </a:lvl1pPr>
+          </a:lstStyle>
+          <a:p>
+            <a:endParaRPr lang="en-IN"/>
+          </a:p>
+        </p:txBody>
+      </p:sp>
+      <p:sp>
+        <p:nvSpPr>
+          <p:cNvPr id="3" name="Date Placeholder 2"/>
+          <p:cNvSpPr>
+            <a:spLocks noGrp="1"/>
+          </p:cNvSpPr>
+          <p:nvPr>
+            <p:ph type="dt" idx="1"/>
+          </p:nvPr>
+        </p:nvSpPr>
+        <p:spPr>
+          <a:xfrm>
+            <a:off x="3884613" y="0"/>
+            <a:ext cx="2971800" cy="458788"/>
+          </a:xfrm>
+          <a:prstGeom prst="rect">
+            <a:avLst/>
+          </a:prstGeom>
+        </p:spPr>
+        <p:txBody>
+          <a:bodyPr vert="horz" lIns="91440" tIns="45720" rIns="91440" bIns="45720" rtlCol="0"/>
+          <a:lstStyle>
+            <a:lvl1pPr algn="r">
+              <a:defRPr sz="1200"/>
+            </a:lvl1pPr>
+          </a:lstStyle>
+          <a:p>
+            <a:fld id="{7DAD1A3E-F3A6-469E-8A76-F8EEABB08F52}" type="datetimeFigureOut">
+              <a:rPr lang="en-IN" smtClean="0"/>
+              <a:t>04-11-2023</a:t>
+            </a:fld>
+            <a:endParaRPr lang="en-IN"/>
+          </a:p>
+        </p:txBody>
+      </p:sp>
+      <p:sp>
+        <p:nvSpPr>
+          <p:cNvPr id="4" name="Slide Image Placeholder 3"/>
+          <p:cNvSpPr>
+            <a:spLocks noGrp="1" noRot="1" noChangeAspect="1"/>
+          </p:cNvSpPr>
+          <p:nvPr>
+            <p:ph type="sldImg" idx="2"/>
+          </p:nvPr>
+        </p:nvSpPr>
+        <p:spPr>
+          <a:xfrm>
+            <a:off x="685800" y="1143000"/>
+            <a:ext cx="5486400" cy="3086100"/>
+          </a:xfrm>
+          <a:prstGeom prst="rect">
+            <a:avLst/>
+          </a:prstGeom>
+          <a:noFill/>
+          <a:ln w="12700">
+            <a:solidFill>
+              <a:prstClr val="black"/>
+            </a:solidFill>
+          </a:ln>
+        </p:spPr>
+        <p:txBody>
+          <a:bodyPr vert="horz" lIns="91440" tIns="45720" rIns="91440" bIns="45720" rtlCol="0" anchor="ctr"/>
+          <a:lstStyle/>
+          <a:p>
+            <a:endParaRPr lang="en-IN"/>
+          </a:p>
+        </p:txBody>
+      </p:sp>
+      <p:sp>
+        <p:nvSpPr>
+          <p:cNvPr id="5" name="Notes Placeholder 4"/>
+          <p:cNvSpPr>
+            <a:spLocks noGrp="1"/>
+          </p:cNvSpPr>
+          <p:nvPr>
+            <p:ph type="body" sz="quarter" idx="3"/>
+          </p:nvPr>
+        </p:nvSpPr>
+        <p:spPr>
+          <a:xfrm>
+            <a:off x="685800" y="4400550"/>
+            <a:ext cx="5486400" cy="3600450"/>
+          </a:xfrm>
+          <a:prstGeom prst="rect">
+            <a:avLst/>
+          </a:prstGeom>
+        </p:spPr>
+        <p:txBody>
+          <a:bodyPr vert="horz" lIns="91440" tIns="45720" rIns="91440" bIns="45720" rtlCol="0"/>
+          <a:lstStyle/>
+          <a:p>
+            <a:pPr lvl="0"/>
+            <a:r>
+              <a:rPr lang="en-US"/>
+              <a:t>Click to edit Master text styles</a:t>
+            </a:r>
+          </a:p>
+          <a:p>
+            <a:pPr lvl="1"/>
+            <a:r>
+              <a:rPr lang="en-US"/>
+              <a:t>Second level</a:t>
+            </a:r>
+          </a:p>
+          <a:p>
+            <a:pPr lvl="2"/>
+            <a:r>
+              <a:rPr lang="en-US"/>
+              <a:t>Third level</a:t>
+            </a:r>
+          </a:p>
+          <a:p>
+            <a:pPr lvl="3"/>
+            <a:r>
+              <a:rPr lang="en-US"/>
+              <a:t>Fourth level</a:t>
+            </a:r>
+          </a:p>
+          <a:p>
+            <a:pPr lvl="4"/>
+            <a:r>
+              <a:rPr lang="en-US"/>
+              <a:t>Fifth level</a:t>
+            </a:r>
+            <a:endParaRPr lang="en-IN"/>
+          </a:p>
+        </p:txBody>
+      </p:sp>
+      <p:sp>
+        <p:nvSpPr>
+          <p:cNvPr id="6" name="Footer Placeholder 5"/>
+          <p:cNvSpPr>
+            <a:spLocks noGrp="1"/>
+          </p:cNvSpPr>
+          <p:nvPr>
+            <p:ph type="ftr" sz="quarter" idx="4"/>
+          </p:nvPr>
+        </p:nvSpPr>
+        <p:spPr>
+          <a:xfrm>
+            <a:off x="0" y="8685213"/>
+            <a:ext cx="2971800" cy="458787"/>
+          </a:xfrm>
+          <a:prstGeom prst="rect">
+            <a:avLst/>
+          </a:prstGeom>
+        </p:spPr>
+        <p:txBody>
+          <a:bodyPr vert="horz" lIns="91440" tIns="45720" rIns="91440" bIns="45720" rtlCol="0" anchor="b"/>
+          <a:lstStyle>
+            <a:lvl1pPr algn="l">
+              <a:defRPr sz="1200"/>
+            </a:lvl1pPr>
+          </a:lstStyle>
+          <a:p>
+            <a:endParaRPr lang="en-IN"/>
+          </a:p>
+        </p:txBody>
+      </p:sp>
+      <p:sp>
+        <p:nvSpPr>
+          <p:cNvPr id="7" name="Slide Number Placeholder 6"/>
+          <p:cNvSpPr>
+            <a:spLocks noGrp="1"/>
+          </p:cNvSpPr>
+          <p:nvPr>
+            <p:ph type="sldNum" sz="quarter" idx="5"/>
+          </p:nvPr>
+        </p:nvSpPr>
+        <p:spPr>
+          <a:xfrm>
+            <a:off x="3884613" y="8685213"/>
+            <a:ext cx="2971800" cy="458787"/>
+          </a:xfrm>
+          <a:prstGeom prst="rect">
+            <a:avLst/>
+          </a:prstGeom>
+        </p:spPr>
+        <p:txBody>
+          <a:bodyPr vert="horz" lIns="91440" tIns="45720" rIns="91440" bIns="45720" rtlCol="0" anchor="b"/>
+          <a:lstStyle>
+            <a:lvl1pPr algn="r">
+              <a:defRPr sz="1200"/>
+            </a:lvl1pPr>
+          </a:lstStyle>
+          <a:p>
+            <a:fld id="{1DD8CC9F-15A3-46D5-B34E-1CE6150C2111}" type="slidenum">
+              <a:rPr lang="en-IN" smtClean="0"/>
+              <a:t>‹#›</a:t>
+            </a:fld>
+            <a:endParaRPr lang="en-IN"/>
+          </a:p>
+        </p:txBody>
+      </p:sp>
+    </p:spTree>
+    <p:extLst>
+      <p:ext uri="{BB962C8B-B14F-4D97-AF65-F5344CB8AC3E}">
+        <p14:creationId xmlns:p14="http://schemas.microsoft.com/office/powerpoint/2010/main" val="24983455"/>
+      </p:ext>
+    </p:extLst>
+  </p:cSld>
+  <p:clrMap bg1="lt1" tx1="dk1" bg2="lt2" tx2="dk2" accent1="accent1" accent2="accent2" accent3="accent3" accent4="accent4" accent5="accent5" accent6="accent6" hlink="hlink" folHlink="folHlink"/>
+  <p:notesStyle>
+    <a:lvl1pPr marL="0" algn="l" defTabSz="914400" rtl="0" eaLnBrk="1" latinLnBrk="0" hangingPunct="1">
+      <a:defRPr sz="1200" kern="1200">
+        <a:solidFill>
+          <a:schemeClr val="tx1"/>
+        </a:solidFill>
+        <a:latin typeface="+mn-lt"/>
+        <a:ea typeface="+mn-ea"/>
+        <a:cs typeface="+mn-cs"/>
+      </a:defRPr>
+    </a:lvl1pPr>
+    <a:lvl2pPr marL="457200" algn="l" defTabSz="914400" rtl="0" eaLnBrk="1" latinLnBrk="0" hangingPunct="1">
+      <a:defRPr sz="1200" kern="1200">
+        <a:solidFill>
+          <a:schemeClr val="tx1"/>
+        </a:solidFill>
+        <a:latin typeface="+mn-lt"/>
+        <a:ea typeface="+mn-ea"/>
+        <a:cs typeface="+mn-cs"/>
+      </a:defRPr>
+    </a:lvl2pPr>
+    <a:lvl3pPr marL="914400" algn="l" defTabSz="914400" rtl="0" eaLnBrk="1" latinLnBrk="0" hangingPunct="1">
+      <a:defRPr sz="1200" kern="1200">
+        <a:solidFill>
+          <a:schemeClr val="tx1"/>
+        </a:solidFill>
+        <a:latin typeface="+mn-lt"/>
+        <a:ea typeface="+mn-ea"/>
+        <a:cs typeface="+mn-cs"/>
+      </a:defRPr>
+    </a:lvl3pPr>
+    <a:lvl4pPr marL="1371600" algn="l" defTabSz="914400" rtl="0" eaLnBrk="1" latinLnBrk="0" hangingPunct="1">
+      <a:defRPr sz="1200" kern="1200">
+        <a:solidFill>
+          <a:schemeClr val="tx1"/>
+        </a:solidFill>
+        <a:latin typeface="+mn-lt"/>
+        <a:ea typeface="+mn-ea"/>
+        <a:cs typeface="+mn-cs"/>
+      </a:defRPr>
+    </a:lvl4pPr>
+    <a:lvl5pPr marL="1828800" algn="l" defTabSz="914400" rtl="0" eaLnBrk="1" latinLnBrk="0" hangingPunct="1">
+      <a:defRPr sz="1200" kern="1200">
+        <a:solidFill>
+          <a:schemeClr val="tx1"/>
+        </a:solidFill>
+        <a:latin typeface="+mn-lt"/>
+        <a:ea typeface="+mn-ea"/>
+        <a:cs typeface="+mn-cs"/>
+      </a:defRPr>
+    </a:lvl5pPr>
+    <a:lvl6pPr marL="2286000" algn="l" defTabSz="914400" rtl="0" eaLnBrk="1" latinLnBrk="0" hangingPunct="1">
+      <a:defRPr sz="1200" kern="1200">
+        <a:solidFill>
+          <a:schemeClr val="tx1"/>
+        </a:solidFill>
+        <a:latin typeface="+mn-lt"/>
+        <a:ea typeface="+mn-ea"/>
+        <a:cs typeface="+mn-cs"/>
+      </a:defRPr>
+    </a:lvl6pPr>
+    <a:lvl7pPr marL="2743200" algn="l" defTabSz="914400" rtl="0" eaLnBrk="1" latinLnBrk="0" hangingPunct="1">
+      <a:defRPr sz="1200" kern="1200">
+        <a:solidFill>
+          <a:schemeClr val="tx1"/>
+        </a:solidFill>
+        <a:latin typeface="+mn-lt"/>
+        <a:ea typeface="+mn-ea"/>
+        <a:cs typeface="+mn-cs"/>
+      </a:defRPr>
+    </a:lvl7pPr>
+    <a:lvl8pPr marL="3200400" algn="l" defTabSz="914400" rtl="0" eaLnBrk="1" latinLnBrk="0" hangingPunct="1">
+      <a:defRPr sz="1200" kern="1200">
+        <a:solidFill>
+          <a:schemeClr val="tx1"/>
+        </a:solidFill>
+        <a:latin typeface="+mn-lt"/>
+        <a:ea typeface="+mn-ea"/>
+        <a:cs typeface="+mn-cs"/>
+      </a:defRPr>
+    </a:lvl8pPr>
+    <a:lvl9pPr marL="3657600" algn="l" defTabSz="914400" rtl="0" eaLnBrk="1" latinLnBrk="0" hangingPunct="1">
+      <a:defRPr sz="1200" kern="1200">
+        <a:solidFill>
+          <a:schemeClr val="tx1"/>
+        </a:solidFill>
+        <a:latin typeface="+mn-lt"/>
+        <a:ea typeface="+mn-ea"/>
+        <a:cs typeface="+mn-cs"/>
+      </a:defRPr>
+    </a:lvl9pPr>
+  </p:notesStyle>
+</p:notesMaster>
+</file>
+
+<file path=ppt/notesSlides/notesSlide1.xml><?xml version="1.0" encoding="utf-8"?>
+<p:notes xmlns:a="http://schemas.openxmlformats.org/drawingml/2006/main" xmlns:r="http://schemas.openxmlformats.org/officeDocument/2006/relationships" xmlns:p="http://schemas.openxmlformats.org/presentationml/2006/main">
+  <p:cSld>
+    <p:spTree>
+      <p:nvGrpSpPr>
+        <p:cNvPr id="1" name=""/>
+        <p:cNvGrpSpPr/>
+        <p:nvPr/>
+      </p:nvGrpSpPr>
+      <p:grpSpPr>
+        <a:xfrm>
+          <a:off x="0" y="0"/>
+          <a:ext cx="0" cy="0"/>
+          <a:chOff x="0" y="0"/>
+          <a:chExt cx="0" cy="0"/>
+        </a:xfrm>
+      </p:grpSpPr>
+      <p:sp>
+        <p:nvSpPr>
+          <p:cNvPr id="2" name="Slide Image Placeholder 1"/>
+          <p:cNvSpPr>
+            <a:spLocks noGrp="1" noRot="1" noChangeAspect="1"/>
+          </p:cNvSpPr>
+          <p:nvPr>
+            <p:ph type="sldImg"/>
+          </p:nvPr>
+        </p:nvSpPr>
+        <p:spPr/>
+      </p:sp>
+      <p:sp>
+        <p:nvSpPr>
+          <p:cNvPr id="3" name="Notes Placeholder 2"/>
+          <p:cNvSpPr>
+            <a:spLocks noGrp="1"/>
+          </p:cNvSpPr>
+          <p:nvPr>
+            <p:ph type="body" idx="1"/>
+          </p:nvPr>
+        </p:nvSpPr>
+        <p:spPr/>
+        <p:txBody>
+          <a:bodyPr/>
+          <a:lstStyle/>
+          <a:p>
+            <a:pPr algn="l"/>
+            <a:r>
+              <a:rPr lang="en-US" b="0" i="0" dirty="0">
+                <a:effectLst/>
+                <a:latin typeface="Poppins" panose="020B0502040204020203" pitchFamily="2" charset="0"/>
+              </a:rPr>
+              <a:t>Greetings everyone!</a:t>
+            </a:r>
+          </a:p>
+          <a:p>
+            <a:pPr algn="l"/>
+            <a:r>
+              <a:rPr lang="en-US" b="0" i="0" dirty="0">
+                <a:effectLst/>
+                <a:latin typeface="Poppins" panose="020B0502040204020203" pitchFamily="2" charset="0"/>
+              </a:rPr>
+              <a:t>Allow me to introduce our visionary team, Mobi Tech, and our groundbreaking solution designed to revolutionize the way we monitor and maintain vehicle engine health - the OIL QUAD.</a:t>
+            </a:r>
+          </a:p>
+          <a:p>
+            <a:pPr algn="l"/>
+            <a:r>
+              <a:rPr lang="en-US" b="0" i="0" dirty="0">
+                <a:effectLst/>
+                <a:latin typeface="Poppins" panose="020B0502040204020203" pitchFamily="2" charset="0"/>
+              </a:rPr>
+              <a:t>I am Varun Bhattacharya, honored to serve as the leader of this dynamic team. Alongside me is the exceptionally talented Ketan Agrawal, a distinguished member of our team hailing from VIT Vellore India. Together, we are here to unveil a pioneering solution that not only addresses a significant business problem but also does so with a focus on cost-efficiency and unparalleled effectiveness.</a:t>
+            </a:r>
+          </a:p>
+          <a:p>
+            <a:endParaRPr lang="en-IN" dirty="0"/>
+          </a:p>
+        </p:txBody>
+      </p:sp>
+      <p:sp>
+        <p:nvSpPr>
+          <p:cNvPr id="4" name="Slide Number Placeholder 3"/>
+          <p:cNvSpPr>
+            <a:spLocks noGrp="1"/>
+          </p:cNvSpPr>
+          <p:nvPr>
+            <p:ph type="sldNum" sz="quarter" idx="5"/>
+          </p:nvPr>
+        </p:nvSpPr>
+        <p:spPr/>
+        <p:txBody>
+          <a:bodyPr/>
+          <a:lstStyle/>
+          <a:p>
+            <a:fld id="{1DD8CC9F-15A3-46D5-B34E-1CE6150C2111}" type="slidenum">
+              <a:rPr lang="en-IN" smtClean="0"/>
+              <a:t>1</a:t>
+            </a:fld>
+            <a:endParaRPr lang="en-IN"/>
+          </a:p>
+        </p:txBody>
+      </p:sp>
+    </p:spTree>
+    <p:extLst>
+      <p:ext uri="{BB962C8B-B14F-4D97-AF65-F5344CB8AC3E}">
+        <p14:creationId xmlns:p14="http://schemas.microsoft.com/office/powerpoint/2010/main" val="1684134058"/>
+      </p:ext>
+    </p:extLst>
+  </p:cSld>
+  <p:clrMapOvr>
+    <a:masterClrMapping/>
+  </p:clrMapOvr>
+</p:notes>
+</file>
+
+<file path=ppt/notesSlides/notesSlide10.xml><?xml version="1.0" encoding="utf-8"?>
+<p:notes xmlns:a="http://schemas.openxmlformats.org/drawingml/2006/main" xmlns:r="http://schemas.openxmlformats.org/officeDocument/2006/relationships" xmlns:p="http://schemas.openxmlformats.org/presentationml/2006/main">
+  <p:cSld>
+    <p:spTree>
+      <p:nvGrpSpPr>
+        <p:cNvPr id="1" name=""/>
+        <p:cNvGrpSpPr/>
+        <p:nvPr/>
+      </p:nvGrpSpPr>
+      <p:grpSpPr>
+        <a:xfrm>
+          <a:off x="0" y="0"/>
+          <a:ext cx="0" cy="0"/>
+          <a:chOff x="0" y="0"/>
+          <a:chExt cx="0" cy="0"/>
+        </a:xfrm>
+      </p:grpSpPr>
+      <p:sp>
+        <p:nvSpPr>
+          <p:cNvPr id="2" name="Slide Image Placeholder 1"/>
+          <p:cNvSpPr>
+            <a:spLocks noGrp="1" noRot="1" noChangeAspect="1"/>
+          </p:cNvSpPr>
+          <p:nvPr>
+            <p:ph type="sldImg"/>
+          </p:nvPr>
+        </p:nvSpPr>
+        <p:spPr/>
+      </p:sp>
+      <p:sp>
+        <p:nvSpPr>
+          <p:cNvPr id="3" name="Notes Placeholder 2"/>
+          <p:cNvSpPr>
+            <a:spLocks noGrp="1"/>
+          </p:cNvSpPr>
+          <p:nvPr>
+            <p:ph type="body" idx="1"/>
+          </p:nvPr>
+        </p:nvSpPr>
+        <p:spPr/>
+        <p:txBody>
+          <a:bodyPr/>
+          <a:lstStyle/>
+          <a:p>
+            <a:r>
+              <a:rPr lang="en-US" b="0" i="0" dirty="0">
+                <a:effectLst/>
+                <a:latin typeface="Poppins" panose="00000500000000000000" pitchFamily="2" charset="0"/>
+              </a:rPr>
+              <a:t>Thank You for hearing us with patience. We hope that this solution can help us resolve such an issue and help the car companies focus on their performance and effectiveness purpose.</a:t>
+            </a:r>
+            <a:endParaRPr lang="en-IN" dirty="0"/>
+          </a:p>
+        </p:txBody>
+      </p:sp>
+      <p:sp>
+        <p:nvSpPr>
+          <p:cNvPr id="4" name="Slide Number Placeholder 3"/>
+          <p:cNvSpPr>
+            <a:spLocks noGrp="1"/>
+          </p:cNvSpPr>
+          <p:nvPr>
+            <p:ph type="sldNum" sz="quarter" idx="5"/>
+          </p:nvPr>
+        </p:nvSpPr>
+        <p:spPr/>
+        <p:txBody>
+          <a:bodyPr/>
+          <a:lstStyle/>
+          <a:p>
+            <a:fld id="{1DD8CC9F-15A3-46D5-B34E-1CE6150C2111}" type="slidenum">
+              <a:rPr lang="en-IN" smtClean="0"/>
+              <a:t>10</a:t>
+            </a:fld>
+            <a:endParaRPr lang="en-IN"/>
+          </a:p>
+        </p:txBody>
+      </p:sp>
+    </p:spTree>
+    <p:extLst>
+      <p:ext uri="{BB962C8B-B14F-4D97-AF65-F5344CB8AC3E}">
+        <p14:creationId xmlns:p14="http://schemas.microsoft.com/office/powerpoint/2010/main" val="300811395"/>
+      </p:ext>
+    </p:extLst>
+  </p:cSld>
+  <p:clrMapOvr>
+    <a:masterClrMapping/>
+  </p:clrMapOvr>
+</p:notes>
+</file>
+
+<file path=ppt/notesSlides/notesSlide2.xml><?xml version="1.0" encoding="utf-8"?>
+<p:notes xmlns:a="http://schemas.openxmlformats.org/drawingml/2006/main" xmlns:r="http://schemas.openxmlformats.org/officeDocument/2006/relationships" xmlns:p="http://schemas.openxmlformats.org/presentationml/2006/main">
+  <p:cSld>
+    <p:spTree>
+      <p:nvGrpSpPr>
+        <p:cNvPr id="1" name=""/>
+        <p:cNvGrpSpPr/>
+        <p:nvPr/>
+      </p:nvGrpSpPr>
+      <p:grpSpPr>
+        <a:xfrm>
+          <a:off x="0" y="0"/>
+          <a:ext cx="0" cy="0"/>
+          <a:chOff x="0" y="0"/>
+          <a:chExt cx="0" cy="0"/>
+        </a:xfrm>
+      </p:grpSpPr>
+      <p:sp>
+        <p:nvSpPr>
+          <p:cNvPr id="2" name="Slide Image Placeholder 1"/>
+          <p:cNvSpPr>
+            <a:spLocks noGrp="1" noRot="1" noChangeAspect="1"/>
+          </p:cNvSpPr>
+          <p:nvPr>
+            <p:ph type="sldImg"/>
+          </p:nvPr>
+        </p:nvSpPr>
+        <p:spPr/>
+      </p:sp>
+      <p:sp>
+        <p:nvSpPr>
+          <p:cNvPr id="3" name="Notes Placeholder 2"/>
+          <p:cNvSpPr>
+            <a:spLocks noGrp="1"/>
+          </p:cNvSpPr>
+          <p:nvPr>
+            <p:ph type="body" idx="1"/>
+          </p:nvPr>
+        </p:nvSpPr>
+        <p:spPr/>
+        <p:txBody>
+          <a:bodyPr/>
+          <a:lstStyle/>
+          <a:p>
+            <a:pPr algn="l"/>
+            <a:r>
+              <a:rPr lang="en-US" b="0" i="0" dirty="0">
+                <a:effectLst/>
+                <a:latin typeface="Poppins" panose="00000500000000000000" pitchFamily="2" charset="0"/>
+              </a:rPr>
+              <a:t>What is OIL QUAD ?</a:t>
+            </a:r>
+          </a:p>
+          <a:p>
+            <a:pPr algn="l"/>
+            <a:r>
+              <a:rPr lang="en-US" b="0" i="0" dirty="0">
+                <a:effectLst/>
+                <a:latin typeface="Poppins" panose="00000500000000000000" pitchFamily="2" charset="0"/>
+              </a:rPr>
+              <a:t>oilQuad represents an innovative system featuring a bespoke viscometric device designed for the precise determination of optimal car oil change intervals. This intelligent system seamlessly transmits crucial data to a shared cloud infrastructure, enabling authorized individuals to access and analyze this information. Through informed insights on oil condition and performance trends, pertinent actions can be taken promptly, enhancing the overall maintenance and longevity of the vehicle.</a:t>
+            </a:r>
+          </a:p>
+          <a:p>
+            <a:endParaRPr lang="en-IN" dirty="0"/>
+          </a:p>
+        </p:txBody>
+      </p:sp>
+      <p:sp>
+        <p:nvSpPr>
+          <p:cNvPr id="4" name="Slide Number Placeholder 3"/>
+          <p:cNvSpPr>
+            <a:spLocks noGrp="1"/>
+          </p:cNvSpPr>
+          <p:nvPr>
+            <p:ph type="sldNum" sz="quarter" idx="5"/>
+          </p:nvPr>
+        </p:nvSpPr>
+        <p:spPr/>
+        <p:txBody>
+          <a:bodyPr/>
+          <a:lstStyle/>
+          <a:p>
+            <a:fld id="{1DD8CC9F-15A3-46D5-B34E-1CE6150C2111}" type="slidenum">
+              <a:rPr lang="en-IN" smtClean="0"/>
+              <a:t>2</a:t>
+            </a:fld>
+            <a:endParaRPr lang="en-IN"/>
+          </a:p>
+        </p:txBody>
+      </p:sp>
+    </p:spTree>
+    <p:extLst>
+      <p:ext uri="{BB962C8B-B14F-4D97-AF65-F5344CB8AC3E}">
+        <p14:creationId xmlns:p14="http://schemas.microsoft.com/office/powerpoint/2010/main" val="4129011815"/>
+      </p:ext>
+    </p:extLst>
+  </p:cSld>
+  <p:clrMapOvr>
+    <a:masterClrMapping/>
+  </p:clrMapOvr>
+</p:notes>
+</file>
+
+<file path=ppt/notesSlides/notesSlide3.xml><?xml version="1.0" encoding="utf-8"?>
+<p:notes xmlns:a="http://schemas.openxmlformats.org/drawingml/2006/main" xmlns:r="http://schemas.openxmlformats.org/officeDocument/2006/relationships" xmlns:p="http://schemas.openxmlformats.org/presentationml/2006/main">
+  <p:cSld>
+    <p:spTree>
+      <p:nvGrpSpPr>
+        <p:cNvPr id="1" name=""/>
+        <p:cNvGrpSpPr/>
+        <p:nvPr/>
+      </p:nvGrpSpPr>
+      <p:grpSpPr>
+        <a:xfrm>
+          <a:off x="0" y="0"/>
+          <a:ext cx="0" cy="0"/>
+          <a:chOff x="0" y="0"/>
+          <a:chExt cx="0" cy="0"/>
+        </a:xfrm>
+      </p:grpSpPr>
+      <p:sp>
+        <p:nvSpPr>
+          <p:cNvPr id="2" name="Slide Image Placeholder 1"/>
+          <p:cNvSpPr>
+            <a:spLocks noGrp="1" noRot="1" noChangeAspect="1"/>
+          </p:cNvSpPr>
+          <p:nvPr>
+            <p:ph type="sldImg"/>
+          </p:nvPr>
+        </p:nvSpPr>
+        <p:spPr/>
+      </p:sp>
+      <p:sp>
+        <p:nvSpPr>
+          <p:cNvPr id="3" name="Notes Placeholder 2"/>
+          <p:cNvSpPr>
+            <a:spLocks noGrp="1"/>
+          </p:cNvSpPr>
+          <p:nvPr>
+            <p:ph type="body" idx="1"/>
+          </p:nvPr>
+        </p:nvSpPr>
+        <p:spPr/>
+        <p:txBody>
+          <a:bodyPr/>
+          <a:lstStyle/>
+          <a:p>
+            <a:pPr algn="l"/>
+            <a:r>
+              <a:rPr lang="en-US" b="0" i="0" dirty="0">
+                <a:effectLst/>
+                <a:latin typeface="Poppins" panose="00000500000000000000" pitchFamily="2" charset="0"/>
+              </a:rPr>
+              <a:t>What is the actual business problem being faced ?</a:t>
+            </a:r>
+          </a:p>
+          <a:p>
+            <a:pPr algn="l"/>
+            <a:r>
+              <a:rPr lang="en-US" b="0" i="0" dirty="0">
+                <a:effectLst/>
+                <a:latin typeface="Poppins" panose="00000500000000000000" pitchFamily="2" charset="0"/>
+              </a:rPr>
+              <a:t>Often it is assumed that after a fixed time intervals, the car engine oil has to be altered for better performance. This process of assuming the fixed time interval can be very </a:t>
+            </a:r>
+            <a:r>
+              <a:rPr lang="en-US" b="0" i="0" dirty="0" err="1">
+                <a:effectLst/>
+                <a:latin typeface="Poppins" panose="00000500000000000000" pitchFamily="2" charset="0"/>
+              </a:rPr>
+              <a:t>inefficiant</a:t>
+            </a:r>
+            <a:r>
+              <a:rPr lang="en-US" b="0" i="0" dirty="0">
+                <a:effectLst/>
+                <a:latin typeface="Poppins" panose="00000500000000000000" pitchFamily="2" charset="0"/>
+              </a:rPr>
+              <a:t>, hampers the car's performance and also expensive. The car engine oil sometimes may not be fit to use before the given time interval or even sometimes after the time interval. The main need for such an issue lies whether the oil has to be changed at that moment or not by maintaining the car's performance level.</a:t>
+            </a:r>
+          </a:p>
+          <a:p>
+            <a:endParaRPr lang="en-IN" dirty="0"/>
+          </a:p>
+        </p:txBody>
+      </p:sp>
+      <p:sp>
+        <p:nvSpPr>
+          <p:cNvPr id="4" name="Slide Number Placeholder 3"/>
+          <p:cNvSpPr>
+            <a:spLocks noGrp="1"/>
+          </p:cNvSpPr>
+          <p:nvPr>
+            <p:ph type="sldNum" sz="quarter" idx="5"/>
+          </p:nvPr>
+        </p:nvSpPr>
+        <p:spPr/>
+        <p:txBody>
+          <a:bodyPr/>
+          <a:lstStyle/>
+          <a:p>
+            <a:fld id="{1DD8CC9F-15A3-46D5-B34E-1CE6150C2111}" type="slidenum">
+              <a:rPr lang="en-IN" smtClean="0"/>
+              <a:t>3</a:t>
+            </a:fld>
+            <a:endParaRPr lang="en-IN"/>
+          </a:p>
+        </p:txBody>
+      </p:sp>
+    </p:spTree>
+    <p:extLst>
+      <p:ext uri="{BB962C8B-B14F-4D97-AF65-F5344CB8AC3E}">
+        <p14:creationId xmlns:p14="http://schemas.microsoft.com/office/powerpoint/2010/main" val="2682644492"/>
+      </p:ext>
+    </p:extLst>
+  </p:cSld>
+  <p:clrMapOvr>
+    <a:masterClrMapping/>
+  </p:clrMapOvr>
+</p:notes>
+</file>
+
+<file path=ppt/notesSlides/notesSlide4.xml><?xml version="1.0" encoding="utf-8"?>
+<p:notes xmlns:a="http://schemas.openxmlformats.org/drawingml/2006/main" xmlns:r="http://schemas.openxmlformats.org/officeDocument/2006/relationships" xmlns:p="http://schemas.openxmlformats.org/presentationml/2006/main">
+  <p:cSld>
+    <p:spTree>
+      <p:nvGrpSpPr>
+        <p:cNvPr id="1" name=""/>
+        <p:cNvGrpSpPr/>
+        <p:nvPr/>
+      </p:nvGrpSpPr>
+      <p:grpSpPr>
+        <a:xfrm>
+          <a:off x="0" y="0"/>
+          <a:ext cx="0" cy="0"/>
+          <a:chOff x="0" y="0"/>
+          <a:chExt cx="0" cy="0"/>
+        </a:xfrm>
+      </p:grpSpPr>
+      <p:sp>
+        <p:nvSpPr>
+          <p:cNvPr id="2" name="Slide Image Placeholder 1"/>
+          <p:cNvSpPr>
+            <a:spLocks noGrp="1" noRot="1" noChangeAspect="1"/>
+          </p:cNvSpPr>
+          <p:nvPr>
+            <p:ph type="sldImg"/>
+          </p:nvPr>
+        </p:nvSpPr>
+        <p:spPr/>
+      </p:sp>
+      <p:sp>
+        <p:nvSpPr>
+          <p:cNvPr id="3" name="Notes Placeholder 2"/>
+          <p:cNvSpPr>
+            <a:spLocks noGrp="1"/>
+          </p:cNvSpPr>
+          <p:nvPr>
+            <p:ph type="body" idx="1"/>
+          </p:nvPr>
+        </p:nvSpPr>
+        <p:spPr/>
+        <p:txBody>
+          <a:bodyPr/>
+          <a:lstStyle/>
+          <a:p>
+            <a:r>
+              <a:rPr lang="en-US" dirty="0"/>
+              <a:t>What happens if we avoid such an issue? Will there be any problem created?</a:t>
+            </a:r>
+          </a:p>
+          <a:p>
+            <a:endParaRPr lang="en-US" dirty="0"/>
+          </a:p>
+          <a:p>
+            <a:r>
+              <a:rPr lang="en-US" dirty="0"/>
+              <a:t>There can be various problems posed while avoiding this issue. Some of the potential problems which may expect can be Financial Burden, Environmental Impact, Resource Wastage, Inefficient Maintenance, and Consumer Inconvenience, thus there can be a business loss in the upcoming long run.</a:t>
+            </a:r>
+          </a:p>
+          <a:p>
+            <a:endParaRPr lang="en-IN" dirty="0"/>
+          </a:p>
+        </p:txBody>
+      </p:sp>
+      <p:sp>
+        <p:nvSpPr>
+          <p:cNvPr id="4" name="Slide Number Placeholder 3"/>
+          <p:cNvSpPr>
+            <a:spLocks noGrp="1"/>
+          </p:cNvSpPr>
+          <p:nvPr>
+            <p:ph type="sldNum" sz="quarter" idx="5"/>
+          </p:nvPr>
+        </p:nvSpPr>
+        <p:spPr/>
+        <p:txBody>
+          <a:bodyPr/>
+          <a:lstStyle/>
+          <a:p>
+            <a:fld id="{1DD8CC9F-15A3-46D5-B34E-1CE6150C2111}" type="slidenum">
+              <a:rPr lang="en-IN" smtClean="0"/>
+              <a:t>4</a:t>
+            </a:fld>
+            <a:endParaRPr lang="en-IN"/>
+          </a:p>
+        </p:txBody>
+      </p:sp>
+    </p:spTree>
+    <p:extLst>
+      <p:ext uri="{BB962C8B-B14F-4D97-AF65-F5344CB8AC3E}">
+        <p14:creationId xmlns:p14="http://schemas.microsoft.com/office/powerpoint/2010/main" val="2268623745"/>
+      </p:ext>
+    </p:extLst>
+  </p:cSld>
+  <p:clrMapOvr>
+    <a:masterClrMapping/>
+  </p:clrMapOvr>
+</p:notes>
+</file>
+
+<file path=ppt/notesSlides/notesSlide5.xml><?xml version="1.0" encoding="utf-8"?>
+<p:notes xmlns:a="http://schemas.openxmlformats.org/drawingml/2006/main" xmlns:r="http://schemas.openxmlformats.org/officeDocument/2006/relationships" xmlns:p="http://schemas.openxmlformats.org/presentationml/2006/main">
+  <p:cSld>
+    <p:spTree>
+      <p:nvGrpSpPr>
+        <p:cNvPr id="1" name=""/>
+        <p:cNvGrpSpPr/>
+        <p:nvPr/>
+      </p:nvGrpSpPr>
+      <p:grpSpPr>
+        <a:xfrm>
+          <a:off x="0" y="0"/>
+          <a:ext cx="0" cy="0"/>
+          <a:chOff x="0" y="0"/>
+          <a:chExt cx="0" cy="0"/>
+        </a:xfrm>
+      </p:grpSpPr>
+      <p:sp>
+        <p:nvSpPr>
+          <p:cNvPr id="2" name="Slide Image Placeholder 1"/>
+          <p:cNvSpPr>
+            <a:spLocks noGrp="1" noRot="1" noChangeAspect="1"/>
+          </p:cNvSpPr>
+          <p:nvPr>
+            <p:ph type="sldImg"/>
+          </p:nvPr>
+        </p:nvSpPr>
+        <p:spPr/>
+      </p:sp>
+      <p:sp>
+        <p:nvSpPr>
+          <p:cNvPr id="3" name="Notes Placeholder 2"/>
+          <p:cNvSpPr>
+            <a:spLocks noGrp="1"/>
+          </p:cNvSpPr>
+          <p:nvPr>
+            <p:ph type="body" idx="1"/>
+          </p:nvPr>
+        </p:nvSpPr>
+        <p:spPr/>
+        <p:txBody>
+          <a:bodyPr/>
+          <a:lstStyle/>
+          <a:p>
+            <a:r>
+              <a:rPr lang="en-US" dirty="0"/>
+              <a:t>Who are the key stakeholders we are aiming for to resolve such an issue ?</a:t>
+            </a:r>
+          </a:p>
+          <a:p>
+            <a:endParaRPr lang="en-US" dirty="0"/>
+          </a:p>
+          <a:p>
+            <a:r>
+              <a:rPr lang="en-US" dirty="0"/>
+              <a:t>The main stakeholders are the vehicle owners, automotive manufacturers, oil producers, environmental agencies and the service centers, technology developers and insurers.</a:t>
+            </a:r>
+            <a:endParaRPr lang="en-IN" dirty="0"/>
+          </a:p>
+        </p:txBody>
+      </p:sp>
+      <p:sp>
+        <p:nvSpPr>
+          <p:cNvPr id="4" name="Slide Number Placeholder 3"/>
+          <p:cNvSpPr>
+            <a:spLocks noGrp="1"/>
+          </p:cNvSpPr>
+          <p:nvPr>
+            <p:ph type="sldNum" sz="quarter" idx="5"/>
+          </p:nvPr>
+        </p:nvSpPr>
+        <p:spPr/>
+        <p:txBody>
+          <a:bodyPr/>
+          <a:lstStyle/>
+          <a:p>
+            <a:fld id="{1DD8CC9F-15A3-46D5-B34E-1CE6150C2111}" type="slidenum">
+              <a:rPr lang="en-IN" smtClean="0"/>
+              <a:t>5</a:t>
+            </a:fld>
+            <a:endParaRPr lang="en-IN"/>
+          </a:p>
+        </p:txBody>
+      </p:sp>
+    </p:spTree>
+    <p:extLst>
+      <p:ext uri="{BB962C8B-B14F-4D97-AF65-F5344CB8AC3E}">
+        <p14:creationId xmlns:p14="http://schemas.microsoft.com/office/powerpoint/2010/main" val="889938962"/>
+      </p:ext>
+    </p:extLst>
+  </p:cSld>
+  <p:clrMapOvr>
+    <a:masterClrMapping/>
+  </p:clrMapOvr>
+</p:notes>
+</file>
+
+<file path=ppt/notesSlides/notesSlide6.xml><?xml version="1.0" encoding="utf-8"?>
+<p:notes xmlns:a="http://schemas.openxmlformats.org/drawingml/2006/main" xmlns:r="http://schemas.openxmlformats.org/officeDocument/2006/relationships" xmlns:p="http://schemas.openxmlformats.org/presentationml/2006/main">
+  <p:cSld>
+    <p:spTree>
+      <p:nvGrpSpPr>
+        <p:cNvPr id="1" name=""/>
+        <p:cNvGrpSpPr/>
+        <p:nvPr/>
+      </p:nvGrpSpPr>
+      <p:grpSpPr>
+        <a:xfrm>
+          <a:off x="0" y="0"/>
+          <a:ext cx="0" cy="0"/>
+          <a:chOff x="0" y="0"/>
+          <a:chExt cx="0" cy="0"/>
+        </a:xfrm>
+      </p:grpSpPr>
+      <p:sp>
+        <p:nvSpPr>
+          <p:cNvPr id="2" name="Slide Image Placeholder 1"/>
+          <p:cNvSpPr>
+            <a:spLocks noGrp="1" noRot="1" noChangeAspect="1"/>
+          </p:cNvSpPr>
+          <p:nvPr>
+            <p:ph type="sldImg"/>
+          </p:nvPr>
+        </p:nvSpPr>
+        <p:spPr/>
+      </p:sp>
+      <p:sp>
+        <p:nvSpPr>
+          <p:cNvPr id="3" name="Notes Placeholder 2"/>
+          <p:cNvSpPr>
+            <a:spLocks noGrp="1"/>
+          </p:cNvSpPr>
+          <p:nvPr>
+            <p:ph type="body" idx="1"/>
+          </p:nvPr>
+        </p:nvSpPr>
+        <p:spPr/>
+        <p:txBody>
+          <a:bodyPr/>
+          <a:lstStyle/>
+          <a:p>
+            <a:r>
+              <a:rPr lang="en-US" dirty="0"/>
+              <a:t>What is the solution we propose?</a:t>
+            </a:r>
+          </a:p>
+          <a:p>
+            <a:endParaRPr lang="en-US" dirty="0"/>
+          </a:p>
+          <a:p>
+            <a:r>
+              <a:rPr lang="en-US" dirty="0"/>
+              <a:t>The plan is to incorporate the Thermal Sensors in the engine oil tube for measuring the oil viscosity as well as the temperature level of oil at regular intervals and monitoring it.</a:t>
+            </a:r>
+          </a:p>
+          <a:p>
+            <a:endParaRPr lang="en-US" dirty="0"/>
+          </a:p>
+          <a:p>
+            <a:r>
+              <a:rPr lang="en-US" dirty="0"/>
+              <a:t>Thermal Sensors use the concept of heat transfer to measure viscosity. This sensor actually heats a particular element and then measures the cooling rate as the oil flow passes through it. The rate at which heat dissipates or is conducted away by the fluid will give us the viscosity value.</a:t>
+            </a:r>
+          </a:p>
+          <a:p>
+            <a:endParaRPr lang="en-US" dirty="0"/>
+          </a:p>
+          <a:p>
+            <a:r>
+              <a:rPr lang="en-US" dirty="0"/>
+              <a:t>The thermal sensor consists of the heating element and the temperature sensor (i.e.. a thermistor or RTD). The heating element warms up, and the temperature sensor measures the rate of cooling or temperature change gives us the oil viscosity value.</a:t>
+            </a:r>
+          </a:p>
+          <a:p>
+            <a:endParaRPr lang="en-IN" dirty="0"/>
+          </a:p>
+        </p:txBody>
+      </p:sp>
+      <p:sp>
+        <p:nvSpPr>
+          <p:cNvPr id="4" name="Slide Number Placeholder 3"/>
+          <p:cNvSpPr>
+            <a:spLocks noGrp="1"/>
+          </p:cNvSpPr>
+          <p:nvPr>
+            <p:ph type="sldNum" sz="quarter" idx="5"/>
+          </p:nvPr>
+        </p:nvSpPr>
+        <p:spPr/>
+        <p:txBody>
+          <a:bodyPr/>
+          <a:lstStyle/>
+          <a:p>
+            <a:fld id="{1DD8CC9F-15A3-46D5-B34E-1CE6150C2111}" type="slidenum">
+              <a:rPr lang="en-IN" smtClean="0"/>
+              <a:t>6</a:t>
+            </a:fld>
+            <a:endParaRPr lang="en-IN"/>
+          </a:p>
+        </p:txBody>
+      </p:sp>
+    </p:spTree>
+    <p:extLst>
+      <p:ext uri="{BB962C8B-B14F-4D97-AF65-F5344CB8AC3E}">
+        <p14:creationId xmlns:p14="http://schemas.microsoft.com/office/powerpoint/2010/main" val="1093899551"/>
+      </p:ext>
+    </p:extLst>
+  </p:cSld>
+  <p:clrMapOvr>
+    <a:masterClrMapping/>
+  </p:clrMapOvr>
+</p:notes>
+</file>
+
+<file path=ppt/notesSlides/notesSlide7.xml><?xml version="1.0" encoding="utf-8"?>
+<p:notes xmlns:a="http://schemas.openxmlformats.org/drawingml/2006/main" xmlns:r="http://schemas.openxmlformats.org/officeDocument/2006/relationships" xmlns:p="http://schemas.openxmlformats.org/presentationml/2006/main">
+  <p:cSld>
+    <p:spTree>
+      <p:nvGrpSpPr>
+        <p:cNvPr id="1" name=""/>
+        <p:cNvGrpSpPr/>
+        <p:nvPr/>
+      </p:nvGrpSpPr>
+      <p:grpSpPr>
+        <a:xfrm>
+          <a:off x="0" y="0"/>
+          <a:ext cx="0" cy="0"/>
+          <a:chOff x="0" y="0"/>
+          <a:chExt cx="0" cy="0"/>
+        </a:xfrm>
+      </p:grpSpPr>
+      <p:sp>
+        <p:nvSpPr>
+          <p:cNvPr id="2" name="Slide Image Placeholder 1"/>
+          <p:cNvSpPr>
+            <a:spLocks noGrp="1" noRot="1" noChangeAspect="1"/>
+          </p:cNvSpPr>
+          <p:nvPr>
+            <p:ph type="sldImg"/>
+          </p:nvPr>
+        </p:nvSpPr>
+        <p:spPr/>
+      </p:sp>
+      <p:sp>
+        <p:nvSpPr>
+          <p:cNvPr id="3" name="Notes Placeholder 2"/>
+          <p:cNvSpPr>
+            <a:spLocks noGrp="1"/>
+          </p:cNvSpPr>
+          <p:nvPr>
+            <p:ph type="body" idx="1"/>
+          </p:nvPr>
+        </p:nvSpPr>
+        <p:spPr/>
+        <p:txBody>
+          <a:bodyPr/>
+          <a:lstStyle/>
+          <a:p>
+            <a:r>
+              <a:rPr lang="en-US" dirty="0"/>
+              <a:t>Viscous fluids will conduct heat more slowly, resulting in a slower temperature change compared to less viscous fluids. Higher the </a:t>
+            </a:r>
+            <a:r>
+              <a:rPr lang="en-US" dirty="0" err="1"/>
+              <a:t>viscousity</a:t>
+            </a:r>
+            <a:r>
+              <a:rPr lang="en-US" dirty="0"/>
+              <a:t> of the fluid, it appears more thicker and it becomes less effective at lubrication and can lead to poor </a:t>
+            </a:r>
+            <a:r>
+              <a:rPr lang="en-US" dirty="0" err="1"/>
+              <a:t>enginer</a:t>
+            </a:r>
+            <a:r>
+              <a:rPr lang="en-US" dirty="0"/>
+              <a:t> performance during cold condition and vice versa in hot condition.</a:t>
+            </a:r>
+          </a:p>
+          <a:p>
+            <a:endParaRPr lang="en-US" dirty="0"/>
+          </a:p>
+          <a:p>
+            <a:r>
+              <a:rPr lang="en-US" dirty="0"/>
+              <a:t>As the oil gets heated, it becomes oxidized and viscosity changes due to that.</a:t>
+            </a:r>
+          </a:p>
+          <a:p>
+            <a:endParaRPr lang="en-US" dirty="0"/>
+          </a:p>
+          <a:p>
+            <a:r>
+              <a:rPr lang="en-US" dirty="0"/>
+              <a:t>The sensors will then transmit the signal to the main microprocessor installed in the car internal system which will then transmit the data to the shared cloud in human </a:t>
+            </a:r>
+            <a:r>
+              <a:rPr lang="en-US" dirty="0" err="1"/>
+              <a:t>readible</a:t>
+            </a:r>
+            <a:r>
+              <a:rPr lang="en-US" dirty="0"/>
+              <a:t> format.</a:t>
+            </a:r>
+          </a:p>
+          <a:p>
+            <a:endParaRPr lang="en-US" dirty="0"/>
+          </a:p>
+          <a:p>
+            <a:r>
+              <a:rPr lang="en-US" dirty="0"/>
+              <a:t>The data will be stored in the shared cloud and based on the car engine oil viscosity rating (given as 10W, 30 (for </a:t>
+            </a:r>
+            <a:r>
+              <a:rPr lang="en-US" dirty="0" err="1"/>
+              <a:t>eg.</a:t>
+            </a:r>
+            <a:r>
+              <a:rPr lang="en-US" dirty="0"/>
+              <a:t>) where 10cP and 30cSt is the rating for hot and cold conditions) and based on the history of oil viscosity, the car owner and the dealership will be notified on it for taking the necessary actions regarding it.</a:t>
+            </a:r>
+            <a:endParaRPr lang="en-IN" dirty="0"/>
+          </a:p>
+        </p:txBody>
+      </p:sp>
+      <p:sp>
+        <p:nvSpPr>
+          <p:cNvPr id="4" name="Slide Number Placeholder 3"/>
+          <p:cNvSpPr>
+            <a:spLocks noGrp="1"/>
+          </p:cNvSpPr>
+          <p:nvPr>
+            <p:ph type="sldNum" sz="quarter" idx="5"/>
+          </p:nvPr>
+        </p:nvSpPr>
+        <p:spPr/>
+        <p:txBody>
+          <a:bodyPr/>
+          <a:lstStyle/>
+          <a:p>
+            <a:fld id="{1DD8CC9F-15A3-46D5-B34E-1CE6150C2111}" type="slidenum">
+              <a:rPr lang="en-IN" smtClean="0"/>
+              <a:t>7</a:t>
+            </a:fld>
+            <a:endParaRPr lang="en-IN"/>
+          </a:p>
+        </p:txBody>
+      </p:sp>
+    </p:spTree>
+    <p:extLst>
+      <p:ext uri="{BB962C8B-B14F-4D97-AF65-F5344CB8AC3E}">
+        <p14:creationId xmlns:p14="http://schemas.microsoft.com/office/powerpoint/2010/main" val="2279461063"/>
+      </p:ext>
+    </p:extLst>
+  </p:cSld>
+  <p:clrMapOvr>
+    <a:masterClrMapping/>
+  </p:clrMapOvr>
+</p:notes>
+</file>
+
+<file path=ppt/notesSlides/notesSlide8.xml><?xml version="1.0" encoding="utf-8"?>
+<p:notes xmlns:a="http://schemas.openxmlformats.org/drawingml/2006/main" xmlns:r="http://schemas.openxmlformats.org/officeDocument/2006/relationships" xmlns:p="http://schemas.openxmlformats.org/presentationml/2006/main">
+  <p:cSld>
+    <p:spTree>
+      <p:nvGrpSpPr>
+        <p:cNvPr id="1" name=""/>
+        <p:cNvGrpSpPr/>
+        <p:nvPr/>
+      </p:nvGrpSpPr>
+      <p:grpSpPr>
+        <a:xfrm>
+          <a:off x="0" y="0"/>
+          <a:ext cx="0" cy="0"/>
+          <a:chOff x="0" y="0"/>
+          <a:chExt cx="0" cy="0"/>
+        </a:xfrm>
+      </p:grpSpPr>
+      <p:sp>
+        <p:nvSpPr>
+          <p:cNvPr id="2" name="Slide Image Placeholder 1"/>
+          <p:cNvSpPr>
+            <a:spLocks noGrp="1" noRot="1" noChangeAspect="1"/>
+          </p:cNvSpPr>
+          <p:nvPr>
+            <p:ph type="sldImg"/>
+          </p:nvPr>
+        </p:nvSpPr>
+        <p:spPr/>
+      </p:sp>
+      <p:sp>
+        <p:nvSpPr>
+          <p:cNvPr id="3" name="Notes Placeholder 2"/>
+          <p:cNvSpPr>
+            <a:spLocks noGrp="1"/>
+          </p:cNvSpPr>
+          <p:nvPr>
+            <p:ph type="body" idx="1"/>
+          </p:nvPr>
+        </p:nvSpPr>
+        <p:spPr/>
+        <p:txBody>
+          <a:bodyPr/>
+          <a:lstStyle/>
+          <a:p>
+            <a:r>
+              <a:rPr lang="en-US" dirty="0"/>
+              <a:t>Here is an </a:t>
+            </a:r>
+            <a:r>
+              <a:rPr lang="en-US" dirty="0" err="1"/>
+              <a:t>architechtural</a:t>
+            </a:r>
+            <a:r>
+              <a:rPr lang="en-US" dirty="0"/>
+              <a:t> proposal for the above mentioned solution.</a:t>
+            </a:r>
+          </a:p>
+          <a:p>
+            <a:endParaRPr lang="en-US" dirty="0"/>
+          </a:p>
+          <a:p>
+            <a:r>
+              <a:rPr lang="en-US" dirty="0"/>
+              <a:t>The viscosity sensors will be put on the body of engine oil tube using non-invasive methods for measuring the oil viscosity.</a:t>
+            </a:r>
+          </a:p>
+          <a:p>
+            <a:r>
+              <a:rPr lang="en-US" dirty="0"/>
+              <a:t>As the oil flows through the tube, an element in the sensor is heated </a:t>
+            </a:r>
+            <a:r>
+              <a:rPr lang="en-US" dirty="0" err="1"/>
+              <a:t>upto</a:t>
+            </a:r>
+            <a:r>
+              <a:rPr lang="en-US" dirty="0"/>
+              <a:t> a certain level. When the oil passed by, the rate at which it flows through the hot area of the sensor will determine the oil viscosity. The sensor uses the Hagen-Poiseuille law for calculating the viscosity of oil internally.</a:t>
+            </a:r>
+          </a:p>
+          <a:p>
+            <a:r>
+              <a:rPr lang="en-US" dirty="0"/>
+              <a:t>For measuring the oil temperature, we can measure using the same sensor mentioned above and also we can try using the infrared sensor MLX90614 for the same.</a:t>
+            </a:r>
+          </a:p>
+          <a:p>
+            <a:r>
+              <a:rPr lang="en-US" dirty="0"/>
+              <a:t>The signals are then passed on to the main microprocessor in the internal car system where the byte values are converted into human </a:t>
+            </a:r>
+            <a:r>
+              <a:rPr lang="en-US" dirty="0" err="1"/>
+              <a:t>readible</a:t>
+            </a:r>
+            <a:r>
+              <a:rPr lang="en-US" dirty="0"/>
+              <a:t> format. From the microprocessor, the values are then passed onto the main shared cloud which is the IOT Central Application using the ports and transferred into the main upstream cloud platform. From the cloud, the historical data is already stored for every single values of the sensor readings and based on the incoming data as well as the historical data, decision is made by the platform which can be accessible to the stakeholders using mobile phones, website and the car dashboard for effective management purposes.</a:t>
+            </a:r>
+          </a:p>
+          <a:p>
+            <a:endParaRPr lang="en-IN" dirty="0"/>
+          </a:p>
+        </p:txBody>
+      </p:sp>
+      <p:sp>
+        <p:nvSpPr>
+          <p:cNvPr id="4" name="Slide Number Placeholder 3"/>
+          <p:cNvSpPr>
+            <a:spLocks noGrp="1"/>
+          </p:cNvSpPr>
+          <p:nvPr>
+            <p:ph type="sldNum" sz="quarter" idx="5"/>
+          </p:nvPr>
+        </p:nvSpPr>
+        <p:spPr/>
+        <p:txBody>
+          <a:bodyPr/>
+          <a:lstStyle/>
+          <a:p>
+            <a:fld id="{1DD8CC9F-15A3-46D5-B34E-1CE6150C2111}" type="slidenum">
+              <a:rPr lang="en-IN" smtClean="0"/>
+              <a:t>8</a:t>
+            </a:fld>
+            <a:endParaRPr lang="en-IN"/>
+          </a:p>
+        </p:txBody>
+      </p:sp>
+    </p:spTree>
+    <p:extLst>
+      <p:ext uri="{BB962C8B-B14F-4D97-AF65-F5344CB8AC3E}">
+        <p14:creationId xmlns:p14="http://schemas.microsoft.com/office/powerpoint/2010/main" val="3362489084"/>
+      </p:ext>
+    </p:extLst>
+  </p:cSld>
+  <p:clrMapOvr>
+    <a:masterClrMapping/>
+  </p:clrMapOvr>
+</p:notes>
+</file>
+
+<file path=ppt/notesSlides/notesSlide9.xml><?xml version="1.0" encoding="utf-8"?>
+<p:notes xmlns:a="http://schemas.openxmlformats.org/drawingml/2006/main" xmlns:r="http://schemas.openxmlformats.org/officeDocument/2006/relationships" xmlns:p="http://schemas.openxmlformats.org/presentationml/2006/main">
+  <p:cSld>
+    <p:spTree>
+      <p:nvGrpSpPr>
+        <p:cNvPr id="1" name=""/>
+        <p:cNvGrpSpPr/>
+        <p:nvPr/>
+      </p:nvGrpSpPr>
+      <p:grpSpPr>
+        <a:xfrm>
+          <a:off x="0" y="0"/>
+          <a:ext cx="0" cy="0"/>
+          <a:chOff x="0" y="0"/>
+          <a:chExt cx="0" cy="0"/>
+        </a:xfrm>
+      </p:grpSpPr>
+      <p:sp>
+        <p:nvSpPr>
+          <p:cNvPr id="2" name="Slide Image Placeholder 1"/>
+          <p:cNvSpPr>
+            <a:spLocks noGrp="1" noRot="1" noChangeAspect="1"/>
+          </p:cNvSpPr>
+          <p:nvPr>
+            <p:ph type="sldImg"/>
+          </p:nvPr>
+        </p:nvSpPr>
+        <p:spPr/>
+      </p:sp>
+      <p:sp>
+        <p:nvSpPr>
+          <p:cNvPr id="3" name="Notes Placeholder 2"/>
+          <p:cNvSpPr>
+            <a:spLocks noGrp="1"/>
+          </p:cNvSpPr>
+          <p:nvPr>
+            <p:ph type="body" idx="1"/>
+          </p:nvPr>
+        </p:nvSpPr>
+        <p:spPr/>
+        <p:txBody>
+          <a:bodyPr/>
+          <a:lstStyle/>
+          <a:p>
+            <a:pPr algn="l"/>
+            <a:r>
+              <a:rPr lang="en-US" b="0" i="0" dirty="0">
+                <a:effectLst/>
+                <a:latin typeface="Poppins" panose="00000500000000000000" pitchFamily="2" charset="0"/>
+              </a:rPr>
+              <a:t>The system setup procedure is mentioned over here.</a:t>
+            </a:r>
+          </a:p>
+          <a:p>
+            <a:pPr algn="l"/>
+            <a:r>
+              <a:rPr lang="en-US" b="0" i="0" dirty="0">
+                <a:effectLst/>
+                <a:latin typeface="Poppins" panose="00000500000000000000" pitchFamily="2" charset="0"/>
+              </a:rPr>
+              <a:t>We install the viscosity sensor external to the car oil tube using non-invasive techniques to facilitate the measurement of oil viscosity and temperature.</a:t>
+            </a:r>
+          </a:p>
+          <a:p>
+            <a:pPr algn="l"/>
+            <a:r>
+              <a:rPr lang="en-US" b="0" i="0" dirty="0">
+                <a:effectLst/>
+                <a:latin typeface="Poppins" panose="00000500000000000000" pitchFamily="2" charset="0"/>
+              </a:rPr>
+              <a:t>The signals are acquired through the main microprocessor of the car internal system and their then that data is passed on to the shared cloud platform to the central application via the central ports.</a:t>
+            </a:r>
+          </a:p>
+          <a:p>
+            <a:pPr algn="l"/>
+            <a:r>
+              <a:rPr lang="en-US" b="0" i="0" dirty="0">
+                <a:effectLst/>
+                <a:latin typeface="Poppins" panose="00000500000000000000" pitchFamily="2" charset="0"/>
+              </a:rPr>
+              <a:t>The cloud infrastructure has to be established for the seamless data storage and accessibility purpose.</a:t>
+            </a:r>
+          </a:p>
+          <a:p>
+            <a:pPr algn="l"/>
+            <a:r>
+              <a:rPr lang="en-US" b="0" i="0" dirty="0">
+                <a:effectLst/>
+                <a:latin typeface="Poppins" panose="00000500000000000000" pitchFamily="2" charset="0"/>
+              </a:rPr>
+              <a:t>The data will be then </a:t>
+            </a:r>
+            <a:r>
+              <a:rPr lang="en-US" b="0" i="0" dirty="0" err="1">
+                <a:effectLst/>
+                <a:latin typeface="Poppins" panose="00000500000000000000" pitchFamily="2" charset="0"/>
+              </a:rPr>
+              <a:t>analysed</a:t>
+            </a:r>
+            <a:r>
+              <a:rPr lang="en-US" b="0" i="0" dirty="0">
+                <a:effectLst/>
+                <a:latin typeface="Poppins" panose="00000500000000000000" pitchFamily="2" charset="0"/>
+              </a:rPr>
+              <a:t> through the actual oil viscosity rating of that specific car and then based on the other historical data from the sensors any decision will be made by itself for further analysis.</a:t>
+            </a:r>
+          </a:p>
+          <a:p>
+            <a:endParaRPr lang="en-IN" dirty="0"/>
+          </a:p>
+        </p:txBody>
+      </p:sp>
+      <p:sp>
+        <p:nvSpPr>
+          <p:cNvPr id="4" name="Slide Number Placeholder 3"/>
+          <p:cNvSpPr>
+            <a:spLocks noGrp="1"/>
+          </p:cNvSpPr>
+          <p:nvPr>
+            <p:ph type="sldNum" sz="quarter" idx="5"/>
+          </p:nvPr>
+        </p:nvSpPr>
+        <p:spPr/>
+        <p:txBody>
+          <a:bodyPr/>
+          <a:lstStyle/>
+          <a:p>
+            <a:fld id="{1DD8CC9F-15A3-46D5-B34E-1CE6150C2111}" type="slidenum">
+              <a:rPr lang="en-IN" smtClean="0"/>
+              <a:t>9</a:t>
+            </a:fld>
+            <a:endParaRPr lang="en-IN"/>
+          </a:p>
+        </p:txBody>
+      </p:sp>
+    </p:spTree>
+    <p:extLst>
+      <p:ext uri="{BB962C8B-B14F-4D97-AF65-F5344CB8AC3E}">
+        <p14:creationId xmlns:p14="http://schemas.microsoft.com/office/powerpoint/2010/main" val="3960162667"/>
+      </p:ext>
+    </p:extLst>
+  </p:cSld>
+  <p:clrMapOvr>
+    <a:masterClrMapping/>
+  </p:clrMapOvr>
+</p:notes>
 </file>
 
 <file path=ppt/slideLayouts/slideLayout1.xml><?xml version="1.0" encoding="utf-8"?>
@@ -3199,11 +4728,10 @@
           </a:xfrm>
         </p:spPr>
         <p:txBody>
-          <a:bodyPr/>
+          <a:bodyPr>
+            <a:normAutofit lnSpcReduction="10000"/>
+          </a:bodyPr>
           <a:lstStyle/>
-          <a:p>
-            <a:endParaRPr lang="en-US" dirty="0"/>
-          </a:p>
           <a:p>
             <a:r>
               <a:rPr lang="en-IN" sz="2800" dirty="0"/>
@@ -3216,49 +4744,33 @@
             <a:endParaRPr lang="en-IN" sz="3200" b="1" dirty="0"/>
           </a:p>
           <a:p>
-            <a:endParaRPr lang="en-IN" sz="3200" b="1" dirty="0"/>
+            <a:r>
+              <a:rPr lang="en-IN" dirty="0" err="1"/>
+              <a:t>Github</a:t>
+            </a:r>
+            <a:r>
+              <a:rPr lang="en-IN" dirty="0"/>
+              <a:t> Link - </a:t>
+            </a:r>
+            <a:r>
+              <a:rPr lang="en-IN" dirty="0">
+                <a:hlinkClick r:id="rId3"/>
+              </a:rPr>
+              <a:t>https://github.com/VarunBhattacharya/oilQuad.git</a:t>
+            </a:r>
+            <a:endParaRPr lang="en-IN" dirty="0"/>
+          </a:p>
+          <a:p>
+            <a:endParaRPr lang="en-IN" sz="2000" dirty="0"/>
+          </a:p>
+          <a:p>
+            <a:endParaRPr lang="en-IN" sz="2000" dirty="0"/>
           </a:p>
           <a:p>
             <a:pPr algn="r"/>
             <a:r>
               <a:rPr lang="en-IN" dirty="0"/>
               <a:t>Varun Bhattacharya(Leader) – </a:t>
-            </a:r>
-            <a:r>
-              <a:rPr lang="en-IN" dirty="0" err="1">
-                <a:hlinkClick r:id="rId2" action="ppaction://hlinkfile">
-                  <a:extLst>
-                    <a:ext uri="{A12FA001-AC4F-418D-AE19-62706E023703}">
-                      <ahyp:hlinkClr xmlns:ahyp="http://schemas.microsoft.com/office/drawing/2018/hyperlinkcolor" val="tx"/>
-                    </a:ext>
-                  </a:extLst>
-                </a:hlinkClick>
-              </a:rPr>
-              <a:t>PhNo</a:t>
-            </a:r>
-            <a:r>
-              <a:rPr lang="en-IN" dirty="0"/>
-              <a:t>, </a:t>
-            </a:r>
-            <a:r>
-              <a:rPr lang="en-IN" dirty="0">
-                <a:hlinkClick r:id="rId3">
-                  <a:extLst>
-                    <a:ext uri="{A12FA001-AC4F-418D-AE19-62706E023703}">
-                      <ahyp:hlinkClr xmlns:ahyp="http://schemas.microsoft.com/office/drawing/2018/hyperlinkcolor" val="tx"/>
-                    </a:ext>
-                  </a:extLst>
-                </a:hlinkClick>
-              </a:rPr>
-              <a:t>Email</a:t>
-            </a:r>
-            <a:endParaRPr lang="en-IN" dirty="0"/>
-          </a:p>
-          <a:p>
-            <a:pPr algn="r"/>
-            <a:r>
-              <a:rPr lang="en-IN" dirty="0"/>
-              <a:t>Ketan Agrawal – </a:t>
             </a:r>
             <a:r>
               <a:rPr lang="en-IN" dirty="0" err="1">
@@ -3279,6 +4791,42 @@
             <a:r>
               <a:rPr lang="en-IN" dirty="0">
                 <a:hlinkClick r:id="rId5">
+                  <a:extLst>
+                    <a:ext uri="{A12FA001-AC4F-418D-AE19-62706E023703}">
+                      <ahyp:hlinkClr xmlns:ahyp="http://schemas.microsoft.com/office/drawing/2018/hyperlinkcolor" val="tx"/>
+                    </a:ext>
+                  </a:extLst>
+                </a:hlinkClick>
+              </a:rPr>
+              <a:t>Email</a:t>
+            </a:r>
+            <a:endParaRPr lang="en-IN" dirty="0"/>
+          </a:p>
+          <a:p>
+            <a:pPr algn="r"/>
+            <a:r>
+              <a:rPr lang="en-IN" dirty="0"/>
+              <a:t>Ketan Agrawal – </a:t>
+            </a:r>
+            <a:r>
+              <a:rPr lang="en-IN" dirty="0" err="1">
+                <a:hlinkClick r:id="rId6" action="ppaction://hlinkfile">
+                  <a:extLst>
+                    <a:ext uri="{A12FA001-AC4F-418D-AE19-62706E023703}">
+                      <ahyp:hlinkClr xmlns:ahyp="http://schemas.microsoft.com/office/drawing/2018/hyperlinkcolor" val="tx"/>
+                    </a:ext>
+                  </a:extLst>
+                </a:hlinkClick>
+              </a:rPr>
+              <a:t>PhNo</a:t>
+            </a:r>
+            <a:r>
+              <a:rPr lang="en-IN" dirty="0"/>
+              <a:t>, </a:t>
+            </a:r>
+            <a:r>
+              <a:rPr lang="en-IN" dirty="0">
+                <a:hlinkClick r:id="rId7">
                   <a:extLst>
                     <a:ext uri="{A12FA001-AC4F-418D-AE19-62706E023703}">
                       <ahyp:hlinkClr xmlns:ahyp="http://schemas.microsoft.com/office/drawing/2018/hyperlinkcolor" val="tx"/>
@@ -3365,7 +4913,7 @@
           <p:nvPr/>
         </p:nvPicPr>
         <p:blipFill>
-          <a:blip r:embed="rId6" cstate="print">
+          <a:blip r:embed="rId8" cstate="print">
             <a:extLst>
               <a:ext uri="{28A0092B-C50C-407E-A947-70E740481C1C}">
                 <a14:useLocalDpi xmlns:a14="http://schemas.microsoft.com/office/drawing/2010/main" val="0"/>
@@ -3401,7 +4949,7 @@
           <p:nvPr/>
         </p:nvPicPr>
         <p:blipFill>
-          <a:blip r:embed="rId7" cstate="print">
+          <a:blip r:embed="rId9" cstate="print">
             <a:extLst>
               <a:ext uri="{28A0092B-C50C-407E-A947-70E740481C1C}">
                 <a14:useLocalDpi xmlns:a14="http://schemas.microsoft.com/office/drawing/2010/main" val="0"/>
@@ -3437,7 +4985,7 @@
           <p:nvPr/>
         </p:nvPicPr>
         <p:blipFill>
-          <a:blip r:embed="rId8" cstate="print">
+          <a:blip r:embed="rId10" cstate="print">
             <a:extLst>
               <a:ext uri="{28A0092B-C50C-407E-A947-70E740481C1C}">
                 <a14:useLocalDpi xmlns:a14="http://schemas.microsoft.com/office/drawing/2010/main" val="0"/>
@@ -3468,13 +5016,13 @@
   <p:clrMapOvr>
     <a:masterClrMapping/>
   </p:clrMapOvr>
-  <mc:AlternateContent xmlns:mc="http://schemas.openxmlformats.org/markup-compatibility/2006">
-    <mc:Choice xmlns:p15="http://schemas.microsoft.com/office/powerpoint/2012/main" Requires="p15">
+  <mc:AlternateContent xmlns:mc="http://schemas.openxmlformats.org/markup-compatibility/2006" xmlns:p15="http://schemas.microsoft.com/office/powerpoint/2012/main">
+    <mc:Choice Requires="p15">
       <p:transition xmlns:p14="http://schemas.microsoft.com/office/powerpoint/2010/main" spd="slow" p14:dur="6000">
         <p15:prstTrans prst="curtains"/>
       </p:transition>
     </mc:Choice>
-    <mc:Fallback>
+    <mc:Fallback xmlns="">
       <p:transition spd="slow">
         <p:fade/>
       </p:transition>
@@ -3516,7 +5064,7 @@
                                         <p:tgtEl>
                                           <p:spTgt spid="3">
                                             <p:txEl>
-                                              <p:pRg st="1" end="1"/>
+                                              <p:pRg st="0" end="0"/>
                                             </p:txEl>
                                           </p:spTgt>
                                         </p:tgtEl>
@@ -3534,7 +5082,7 @@
                                         <p:tgtEl>
                                           <p:spTgt spid="3">
                                             <p:txEl>
-                                              <p:pRg st="1" end="1"/>
+                                              <p:pRg st="0" end="0"/>
                                             </p:txEl>
                                           </p:spTgt>
                                         </p:tgtEl>
@@ -3561,7 +5109,7 @@
                                         <p:tgtEl>
                                           <p:spTgt spid="3">
                                             <p:txEl>
-                                              <p:pRg st="1" end="1"/>
+                                              <p:pRg st="0" end="0"/>
                                             </p:txEl>
                                           </p:spTgt>
                                         </p:tgtEl>
@@ -3588,7 +5136,7 @@
                                         <p:tgtEl>
                                           <p:spTgt spid="3">
                                             <p:txEl>
-                                              <p:pRg st="1" end="1"/>
+                                              <p:pRg st="0" end="0"/>
                                             </p:txEl>
                                           </p:spTgt>
                                         </p:tgtEl>
@@ -3615,7 +5163,7 @@
                                         <p:tgtEl>
                                           <p:spTgt spid="3">
                                             <p:txEl>
-                                              <p:pRg st="1" end="1"/>
+                                              <p:pRg st="0" end="0"/>
                                             </p:txEl>
                                           </p:spTgt>
                                         </p:tgtEl>
@@ -3643,7 +5191,7 @@
                             </p:stCondLst>
                             <p:childTnLst>
                               <p:par>
-                                <p:cTn id="13" presetID="14" presetClass="entr" presetSubtype="10" fill="hold" nodeType="clickEffect">
+                                <p:cTn id="13" presetID="31" presetClass="entr" presetSubtype="0" fill="hold" nodeType="clickEffect">
                                   <p:stCondLst>
                                     <p:cond delay="0"/>
                                   </p:stCondLst>
@@ -3658,7 +5206,7 @@
                                         <p:tgtEl>
                                           <p:spTgt spid="3">
                                             <p:txEl>
-                                              <p:pRg st="3" end="3"/>
+                                              <p:pRg st="1" end="1"/>
                                             </p:txEl>
                                           </p:spTgt>
                                         </p:tgtEl>
@@ -3670,13 +5218,94 @@
                                         <p:strVal val="visible"/>
                                       </p:to>
                                     </p:set>
-                                    <p:animEffect transition="in" filter="randombar(horizontal)">
-                                      <p:cBhvr>
-                                        <p:cTn id="15" dur="500"/>
+                                    <p:anim calcmode="lin" valueType="num">
+                                      <p:cBhvr>
+                                        <p:cTn id="15" dur="1000" fill="hold"/>
                                         <p:tgtEl>
                                           <p:spTgt spid="3">
                                             <p:txEl>
-                                              <p:pRg st="3" end="3"/>
+                                              <p:pRg st="1" end="1"/>
+                                            </p:txEl>
+                                          </p:spTgt>
+                                        </p:tgtEl>
+                                        <p:attrNameLst>
+                                          <p:attrName>ppt_w</p:attrName>
+                                        </p:attrNameLst>
+                                      </p:cBhvr>
+                                      <p:tavLst>
+                                        <p:tav tm="0">
+                                          <p:val>
+                                            <p:fltVal val="0"/>
+                                          </p:val>
+                                        </p:tav>
+                                        <p:tav tm="100000">
+                                          <p:val>
+                                            <p:strVal val="#ppt_w"/>
+                                          </p:val>
+                                        </p:tav>
+                                      </p:tavLst>
+                                    </p:anim>
+                                    <p:anim calcmode="lin" valueType="num">
+                                      <p:cBhvr>
+                                        <p:cTn id="16" dur="1000" fill="hold"/>
+                                        <p:tgtEl>
+                                          <p:spTgt spid="3">
+                                            <p:txEl>
+                                              <p:pRg st="1" end="1"/>
+                                            </p:txEl>
+                                          </p:spTgt>
+                                        </p:tgtEl>
+                                        <p:attrNameLst>
+                                          <p:attrName>ppt_h</p:attrName>
+                                        </p:attrNameLst>
+                                      </p:cBhvr>
+                                      <p:tavLst>
+                                        <p:tav tm="0">
+                                          <p:val>
+                                            <p:fltVal val="0"/>
+                                          </p:val>
+                                        </p:tav>
+                                        <p:tav tm="100000">
+                                          <p:val>
+                                            <p:strVal val="#ppt_h"/>
+                                          </p:val>
+                                        </p:tav>
+                                      </p:tavLst>
+                                    </p:anim>
+                                    <p:anim calcmode="lin" valueType="num">
+                                      <p:cBhvr>
+                                        <p:cTn id="17" dur="1000" fill="hold"/>
+                                        <p:tgtEl>
+                                          <p:spTgt spid="3">
+                                            <p:txEl>
+                                              <p:pRg st="1" end="1"/>
+                                            </p:txEl>
+                                          </p:spTgt>
+                                        </p:tgtEl>
+                                        <p:attrNameLst>
+                                          <p:attrName>style.rotation</p:attrName>
+                                        </p:attrNameLst>
+                                      </p:cBhvr>
+                                      <p:tavLst>
+                                        <p:tav tm="0">
+                                          <p:val>
+                                            <p:fltVal val="90"/>
+                                          </p:val>
+                                        </p:tav>
+                                        <p:tav tm="100000">
+                                          <p:val>
+                                            <p:fltVal val="0"/>
+                                          </p:val>
+                                        </p:tav>
+                                      </p:tavLst>
+                                    </p:anim>
+                                    <p:animEffect transition="in" filter="fade">
+                                      <p:cBhvr>
+                                        <p:cTn id="18" dur="1000"/>
+                                        <p:tgtEl>
+                                          <p:spTgt spid="3">
+                                            <p:txEl>
+                                              <p:pRg st="1" end="1"/>
                                             </p:txEl>
                                           </p:spTgt>
                                         </p:tgtEl>
@@ -3692,32 +5321,36 @@
                     </p:cTn>
                   </p:par>
                   <p:par>
-                    <p:cTn id="16" fill="hold">
+                    <p:cTn id="19" fill="hold">
                       <p:stCondLst>
                         <p:cond delay="indefinite"/>
                       </p:stCondLst>
                       <p:childTnLst>
                         <p:par>
-                          <p:cTn id="17" fill="hold">
+                          <p:cTn id="20" fill="hold">
                             <p:stCondLst>
                               <p:cond delay="0"/>
                             </p:stCondLst>
                             <p:childTnLst>
                               <p:par>
-                                <p:cTn id="18" presetID="14" presetClass="entr" presetSubtype="10" fill="hold" nodeType="clickEffect">
+                                <p:cTn id="21" presetID="14" presetClass="entr" presetSubtype="10" fill="hold" nodeType="clickEffect">
                                   <p:stCondLst>
                                     <p:cond delay="0"/>
                                   </p:stCondLst>
                                   <p:childTnLst>
                                     <p:set>
                                       <p:cBhvr>
-                                        <p:cTn id="19" dur="1" fill="hold">
+                                        <p:cTn id="22" dur="1" fill="hold">
                                           <p:stCondLst>
                                             <p:cond delay="0"/>
                                           </p:stCondLst>
                                         </p:cTn>
                                         <p:tgtEl>
-                                          <p:spTgt spid="8"/>
+                                          <p:spTgt spid="3">
+                                            <p:txEl>
+                                              <p:pRg st="4" end="4"/>
+                                            </p:txEl>
+                                          </p:spTgt>
                                         </p:tgtEl>
                                         <p:attrNameLst>
                                           <p:attrName>style.visibility</p:attrName>
@@ -3729,9 +5362,13 @@
                                     </p:set>
                                     <p:animEffect transition="in" filter="randombar(horizontal)">
                                       <p:cBhvr>
-                                        <p:cTn id="20" dur="500"/>
-                                        <p:tgtEl>
-                                          <p:spTgt spid="8"/>
+                                        <p:cTn id="23" dur="500"/>
+                                        <p:tgtEl>
+                                          <p:spTgt spid="3">
+                                            <p:txEl>
+                                              <p:pRg st="4" end="4"/>
+                                            </p:txEl>
+                                          </p:spTgt>
                                         </p:tgtEl>
                                       </p:cBhvr>
                                     </p:animEffect>
@@ -3745,36 +5382,32 @@
                     </p:cTn>
                   </p:par>
                   <p:par>
-                    <p:cTn id="21" fill="hold">
+                    <p:cTn id="24" fill="hold">
                       <p:stCondLst>
                         <p:cond delay="indefinite"/>
                       </p:stCondLst>
                       <p:childTnLst>
                         <p:par>
-                          <p:cTn id="22" fill="hold">
+                          <p:cTn id="25" fill="hold">
                             <p:stCondLst>
                               <p:cond delay="0"/>
                             </p:stCondLst>
                             <p:childTnLst>
                               <p:par>
-                                <p:cTn id="23" presetID="14" presetClass="entr" presetSubtype="10" fill="hold" nodeType="clickEffect">
+                                <p:cTn id="26" presetID="14" presetClass="entr" presetSubtype="10" fill="hold" nodeType="clickEffect">
                                   <p:stCondLst>
                                     <p:cond delay="0"/>
                                   </p:stCondLst>
                                   <p:childTnLst>
                                     <p:set>
                                       <p:cBhvr>
-                                        <p:cTn id="24" dur="1" fill="hold">
+                                        <p:cTn id="27" dur="1" fill="hold">
                                           <p:stCondLst>
                                             <p:cond delay="0"/>
                                           </p:stCondLst>
                                         </p:cTn>
                                         <p:tgtEl>
-                                          <p:spTgt spid="3">
-                                            <p:txEl>
-                                              <p:pRg st="4" end="4"/>
-                                            </p:txEl>
-                                          </p:spTgt>
+                                          <p:spTgt spid="8"/>
                                         </p:tgtEl>
                                         <p:attrNameLst>
                                           <p:attrName>style.visibility</p:attrName>
@@ -3786,13 +5419,9 @@
                                     </p:set>
                                     <p:animEffect transition="in" filter="randombar(horizontal)">
                                       <p:cBhvr>
-                                        <p:cTn id="25" dur="500"/>
-                                        <p:tgtEl>
-                                          <p:spTgt spid="3">
-                                            <p:txEl>
-                                              <p:pRg st="4" end="4"/>
-                                            </p:txEl>
-                                          </p:spTgt>
+                                        <p:cTn id="28" dur="500"/>
+                                        <p:tgtEl>
+                                          <p:spTgt spid="8"/>
                                         </p:tgtEl>
                                       </p:cBhvr>
                                     </p:animEffect>
@@ -3806,32 +5435,36 @@
                     </p:cTn>
                   </p:par>
                   <p:par>
-                    <p:cTn id="26" fill="hold">
+                    <p:cTn id="29" fill="hold">
                       <p:stCondLst>
                         <p:cond delay="indefinite"/>
                       </p:stCondLst>
                       <p:childTnLst>
                         <p:par>
-                          <p:cTn id="27" fill="hold">
+                          <p:cTn id="30" fill="hold">
                             <p:stCondLst>
                               <p:cond delay="0"/>
                             </p:stCondLst>
                             <p:childTnLst>
                               <p:par>
-                                <p:cTn id="28" presetID="14" presetClass="entr" presetSubtype="10" fill="hold" nodeType="clickEffect">
+                                <p:cTn id="31" presetID="14" presetClass="entr" presetSubtype="10" fill="hold" nodeType="clickEffect">
                                   <p:stCondLst>
                                     <p:cond delay="0"/>
                                   </p:stCondLst>
                                   <p:childTnLst>
                                     <p:set>
                                       <p:cBhvr>
-                                        <p:cTn id="29" dur="1" fill="hold">
+                                        <p:cTn id="32" dur="1" fill="hold">
                                           <p:stCondLst>
                                             <p:cond delay="0"/>
                                           </p:stCondLst>
                                         </p:cTn>
                                         <p:tgtEl>
-                                          <p:spTgt spid="5"/>
+                                          <p:spTgt spid="3">
+                                            <p:txEl>
+                                              <p:pRg st="5" end="5"/>
+                                            </p:txEl>
+                                          </p:spTgt>
                                         </p:tgtEl>
                                         <p:attrNameLst>
                                           <p:attrName>style.visibility</p:attrName>
@@ -3843,9 +5476,13 @@
                                     </p:set>
                                     <p:animEffect transition="in" filter="randombar(horizontal)">
                                       <p:cBhvr>
-                                        <p:cTn id="30" dur="500"/>
-                                        <p:tgtEl>
-                                          <p:spTgt spid="5"/>
+                                        <p:cTn id="33" dur="500"/>
+                                        <p:tgtEl>
+                                          <p:spTgt spid="3">
+                                            <p:txEl>
+                                              <p:pRg st="5" end="5"/>
+                                            </p:txEl>
+                                          </p:spTgt>
                                         </p:tgtEl>
                                       </p:cBhvr>
                                     </p:animEffect>
@@ -3859,34 +5496,87 @@
                     </p:cTn>
                   </p:par>
                   <p:par>
-                    <p:cTn id="31" fill="hold">
+                    <p:cTn id="34" fill="hold">
                       <p:stCondLst>
                         <p:cond delay="indefinite"/>
                       </p:stCondLst>
                       <p:childTnLst>
                         <p:par>
-                          <p:cTn id="32" fill="hold">
+                          <p:cTn id="35" fill="hold">
                             <p:stCondLst>
                               <p:cond delay="0"/>
                             </p:stCondLst>
                             <p:childTnLst>
                               <p:par>
-                                <p:cTn id="33" presetID="26" presetClass="entr" presetSubtype="0" fill="hold" nodeType="clickEffect">
+                                <p:cTn id="36" presetID="14" presetClass="entr" presetSubtype="10" fill="hold" nodeType="clickEffect">
                                   <p:stCondLst>
                                     <p:cond delay="0"/>
                                   </p:stCondLst>
                                   <p:childTnLst>
                                     <p:set>
                                       <p:cBhvr>
-                                        <p:cTn id="34" dur="1" fill="hold">
+                                        <p:cTn id="37" dur="1" fill="hold">
                                           <p:stCondLst>
                                             <p:cond delay="0"/>
                                           </p:stCondLst>
                                         </p:cTn>
                                         <p:tgtEl>
+                                          <p:spTgt spid="5"/>
+                                        </p:tgtEl>
+                                        <p:attrNameLst>
+                                          <p:attrName>style.visibility</p:attrName>
+                                        </p:attrNameLst>
+                                      </p:cBhvr>
+                                      <p:to>
+                                        <p:strVal val="visible"/>
+                                      </p:to>
+                                    </p:set>
+                                    <p:animEffect transition="in" filter="randombar(horizontal)">
+                                      <p:cBhvr>
+                                        <p:cTn id="38" dur="500"/>
+                                        <p:tgtEl>
+                                          <p:spTgt spid="5"/>
+                                        </p:tgtEl>
+                                      </p:cBhvr>
+                                    </p:animEffect>
+                                  </p:childTnLst>
+                                </p:cTn>
+                              </p:par>
+                            </p:childTnLst>
+                          </p:cTn>
+                        </p:par>
+                      </p:childTnLst>
+                    </p:cTn>
+                  </p:par>
+                  <p:par>
+                    <p:cTn id="39" fill="hold">
+                      <p:stCondLst>
+                        <p:cond delay="indefinite"/>
+                      </p:stCondLst>
+                      <p:childTnLst>
+                        <p:par>
+                          <p:cTn id="40" fill="hold">
+                            <p:stCondLst>
+                              <p:cond delay="0"/>
+                            </p:stCondLst>
+                            <p:childTnLst>
+                              <p:par>
+                                <p:cTn id="41" presetID="26" presetClass="entr" presetSubtype="0" fill="hold" nodeType="clickEffect">
+                                  <p:stCondLst>
+                                    <p:cond delay="0"/>
+                                  </p:stCondLst>
+                                  <p:childTnLst>
+                                    <p:set>
+                                      <p:cBhvr>
+                                        <p:cTn id="42" dur="1" fill="hold">
+                                          <p:stCondLst>
+                                            <p:cond delay="0"/>
+                                          </p:stCondLst>
+                                        </p:cTn>
+                                        <p:tgtEl>
                                           <p:spTgt spid="3">
                                             <p:txEl>
-                                              <p:pRg st="5" end="5"/>
+                                              <p:pRg st="6" end="6"/>
                                             </p:txEl>
                                           </p:spTgt>
                                         </p:tgtEl>
@@ -3900,7 +5590,7 @@
                                     </p:set>
                                     <p:animEffect transition="in" filter="wipe(down)">
                                       <p:cBhvr>
-                                        <p:cTn id="35" dur="580">
+                                        <p:cTn id="43" dur="580">
                                           <p:stCondLst>
                                             <p:cond delay="0"/>
                                           </p:stCondLst>
@@ -3908,7 +5598,7 @@
                                         <p:tgtEl>
                                           <p:spTgt spid="3">
                                             <p:txEl>
-                                              <p:pRg st="5" end="5"/>
+                                              <p:pRg st="6" end="6"/>
                                             </p:txEl>
                                           </p:spTgt>
                                         </p:tgtEl>
@@ -3916,7 +5606,7 @@
                                     </p:animEffect>
                                     <p:anim calcmode="lin" valueType="num">
                                       <p:cBhvr>
-                                        <p:cTn id="36" dur="1822" tmFilter="0,0; 0.14,0.36; 0.43,0.73; 0.71,0.91; 1.0,1.0">
+                                        <p:cTn id="44" dur="1822" tmFilter="0,0; 0.14,0.36; 0.43,0.73; 0.71,0.91; 1.0,1.0">
                                           <p:stCondLst>
                                             <p:cond delay="0"/>
                                           </p:stCondLst>
@@ -3924,7 +5614,7 @@
                                         <p:tgtEl>
                                           <p:spTgt spid="3">
                                             <p:txEl>
-                                              <p:pRg st="5" end="5"/>
+                                              <p:pRg st="6" end="6"/>
                                             </p:txEl>
                                           </p:spTgt>
                                         </p:tgtEl>
@@ -3947,7 +5637,7 @@
                                     </p:anim>
                                     <p:anim calcmode="lin" valueType="num">
                                       <p:cBhvr>
-                                        <p:cTn id="37" dur="664" tmFilter="0.0,0.0; 0.25,0.07; 0.50,0.2; 0.75,0.467; 1.0,1.0">
+                                        <p:cTn id="45" dur="664" tmFilter="0.0,0.0; 0.25,0.07; 0.50,0.2; 0.75,0.467; 1.0,1.0">
                                           <p:stCondLst>
                                             <p:cond delay="0"/>
                                           </p:stCondLst>
@@ -3955,7 +5645,7 @@
                                         <p:tgtEl>
                                           <p:spTgt spid="3">
                                             <p:txEl>
-                                              <p:pRg st="5" end="5"/>
+                                              <p:pRg st="6" end="6"/>
                                             </p:txEl>
                                           </p:spTgt>
                                         </p:tgtEl>
@@ -3978,7 +5668,7 @@
                                     </p:anim>
                                     <p:anim calcmode="lin" valueType="num">
                                       <p:cBhvr>
-                                        <p:cTn id="38" dur="664" tmFilter="0, 0; 0.125,0.2665; 0.25,0.4; 0.375,0.465; 0.5,0.5;  0.625,0.535; 0.75,0.6; 0.875,0.7335; 1,1">
+                                        <p:cTn id="46" dur="664" tmFilter="0, 0; 0.125,0.2665; 0.25,0.4; 0.375,0.465; 0.5,0.5;  0.625,0.535; 0.75,0.6; 0.875,0.7335; 1,1">
                                           <p:stCondLst>
                                             <p:cond delay="664"/>
                                           </p:stCondLst>
@@ -3986,7 +5676,7 @@
                                         <p:tgtEl>
                                           <p:spTgt spid="3">
                                             <p:txEl>
-                                              <p:pRg st="5" end="5"/>
+                                              <p:pRg st="6" end="6"/>
                                             </p:txEl>
                                           </p:spTgt>
                                         </p:tgtEl>
@@ -4009,7 +5699,7 @@
                                     </p:anim>
                                     <p:anim calcmode="lin" valueType="num">
                                       <p:cBhvr>
-                                        <p:cTn id="39" dur="332" tmFilter="0, 0; 0.125,0.2665; 0.25,0.4; 0.375,0.465; 0.5,0.5;  0.625,0.535; 0.75,0.6; 0.875,0.7335; 1,1">
+                                        <p:cTn id="47" dur="332" tmFilter="0, 0; 0.125,0.2665; 0.25,0.4; 0.375,0.465; 0.5,0.5;  0.625,0.535; 0.75,0.6; 0.875,0.7335; 1,1">
                                           <p:stCondLst>
                                             <p:cond delay="1324"/>
                                           </p:stCondLst>
@@ -4017,7 +5707,7 @@
                                         <p:tgtEl>
                                           <p:spTgt spid="3">
                                             <p:txEl>
-                                              <p:pRg st="5" end="5"/>
+                                              <p:pRg st="6" end="6"/>
                                             </p:txEl>
                                           </p:spTgt>
                                         </p:tgtEl>
@@ -4040,7 +5730,7 @@
                                     </p:anim>
                                     <p:anim calcmode="lin" valueType="num">
                                       <p:cBhvr>
-                                        <p:cTn id="40" dur="164" tmFilter="0, 0; 0.125,0.2665; 0.25,0.4; 0.375,0.465; 0.5,0.5;  0.625,0.535; 0.75,0.6; 0.875,0.7335; 1,1">
+                                        <p:cTn id="48" dur="164" tmFilter="0, 0; 0.125,0.2665; 0.25,0.4; 0.375,0.465; 0.5,0.5;  0.625,0.535; 0.75,0.6; 0.875,0.7335; 1,1">
                                           <p:stCondLst>
                                             <p:cond delay="1656"/>
                                           </p:stCondLst>
@@ -4048,7 +5738,7 @@
                                         <p:tgtEl>
                                           <p:spTgt spid="3">
                                             <p:txEl>
-                                              <p:pRg st="5" end="5"/>
+                                              <p:pRg st="6" end="6"/>
                                             </p:txEl>
                                           </p:spTgt>
                                         </p:tgtEl>
@@ -4071,7 +5761,7 @@
                                     </p:anim>
                                     <p:animScale>
                                       <p:cBhvr>
-                                        <p:cTn id="41" dur="26">
+                                        <p:cTn id="49" dur="26">
                                           <p:stCondLst>
                                             <p:cond delay="650"/>
                                           </p:stCondLst>
@@ -4079,7 +5769,7 @@
                                         <p:tgtEl>
                                           <p:spTgt spid="3">
                                             <p:txEl>
-                                              <p:pRg st="5" end="5"/>
+                                              <p:pRg st="6" end="6"/>
                                             </p:txEl>
                                           </p:spTgt>
                                         </p:tgtEl>
@@ -4088,7 +5778,7 @@
                                     </p:animScale>
                                     <p:animScale>
                                       <p:cBhvr>
-                                        <p:cTn id="42" dur="166" decel="50000">
+                                        <p:cTn id="50" dur="166" decel="50000">
                                           <p:stCondLst>
                                             <p:cond delay="676"/>
                                           </p:stCondLst>
@@ -4096,7 +5786,7 @@
                                         <p:tgtEl>
                                           <p:spTgt spid="3">
                                             <p:txEl>
-                                              <p:pRg st="5" end="5"/>
+                                              <p:pRg st="6" end="6"/>
                                             </p:txEl>
                                           </p:spTgt>
                                         </p:tgtEl>
@@ -4105,7 +5795,7 @@
                                     </p:animScale>
                                     <p:animScale>
                                       <p:cBhvr>
-                                        <p:cTn id="43" dur="26">
+                                        <p:cTn id="51" dur="26">
                                           <p:stCondLst>
                                             <p:cond delay="1312"/>
                                           </p:stCondLst>
@@ -4113,7 +5803,7 @@
                                         <p:tgtEl>
                                           <p:spTgt spid="3">
                                             <p:txEl>
-                                              <p:pRg st="5" end="5"/>
+                                              <p:pRg st="6" end="6"/>
                                             </p:txEl>
                                           </p:spTgt>
                                         </p:tgtEl>
@@ -4122,7 +5812,7 @@
                                     </p:animScale>
                                     <p:animScale>
                                       <p:cBhvr>
-                                        <p:cTn id="44" dur="166" decel="50000">
+                                        <p:cTn id="52" dur="166" decel="50000">
                                           <p:stCondLst>
                                             <p:cond delay="1338"/>
                                           </p:stCondLst>
@@ -4130,7 +5820,7 @@
                                         <p:tgtEl>
                                           <p:spTgt spid="3">
                                             <p:txEl>
-                                              <p:pRg st="5" end="5"/>
+                                              <p:pRg st="6" end="6"/>
                                             </p:txEl>
                                           </p:spTgt>
                                         </p:tgtEl>
@@ -4139,7 +5829,7 @@
                                     </p:animScale>
                                     <p:animScale>
                                       <p:cBhvr>
-                                        <p:cTn id="45" dur="26">
+                                        <p:cTn id="53" dur="26">
                                           <p:stCondLst>
                                             <p:cond delay="1642"/>
                                           </p:stCondLst>
@@ -4147,7 +5837,7 @@
                                         <p:tgtEl>
                                           <p:spTgt spid="3">
                                             <p:txEl>
-                                              <p:pRg st="5" end="5"/>
+                                              <p:pRg st="6" end="6"/>
                                             </p:txEl>
                                           </p:spTgt>
                                         </p:tgtEl>
@@ -4156,7 +5846,7 @@
                                     </p:animScale>
                                     <p:animScale>
                                       <p:cBhvr>
-                                        <p:cTn id="46" dur="166" decel="50000">
+                                        <p:cTn id="54" dur="166" decel="50000">
                                           <p:stCondLst>
                                             <p:cond delay="1668"/>
                                           </p:stCondLst>
@@ -4164,7 +5854,7 @@
                                         <p:tgtEl>
                                           <p:spTgt spid="3">
                                             <p:txEl>
-                                              <p:pRg st="5" end="5"/>
+                                              <p:pRg st="6" end="6"/>
                                             </p:txEl>
                                           </p:spTgt>
                                         </p:tgtEl>
@@ -4173,7 +5863,7 @@
                                     </p:animScale>
                                     <p:animScale>
                                       <p:cBhvr>
-                                        <p:cTn id="47" dur="26">
+                                        <p:cTn id="55" dur="26">
                                           <p:stCondLst>
                                             <p:cond delay="1808"/>
                                           </p:stCondLst>
@@ -4181,7 +5871,7 @@
                                         <p:tgtEl>
                                           <p:spTgt spid="3">
                                             <p:txEl>
-                                              <p:pRg st="5" end="5"/>
+                                              <p:pRg st="6" end="6"/>
                                             </p:txEl>
                                           </p:spTgt>
                                         </p:tgtEl>
@@ -4190,7 +5880,7 @@
                                     </p:animScale>
                                     <p:animScale>
                                       <p:cBhvr>
-                                        <p:cTn id="48" dur="166" decel="50000">
+                                        <p:cTn id="56" dur="166" decel="50000">
                                           <p:stCondLst>
                                             <p:cond delay="1834"/>
                                           </p:stCondLst>
@@ -4198,7 +5888,7 @@
                                         <p:tgtEl>
                                           <p:spTgt spid="3">
                                             <p:txEl>
-                                              <p:pRg st="5" end="5"/>
+                                              <p:pRg st="6" end="6"/>
                                             </p:txEl>
                                           </p:spTgt>
                                         </p:tgtEl>
@@ -4323,7 +6013,7 @@
           <p:nvPr/>
         </p:nvPicPr>
         <p:blipFill>
-          <a:blip r:embed="rId2" cstate="print">
+          <a:blip r:embed="rId3" cstate="print">
             <a:extLst>
               <a:ext uri="{28A0092B-C50C-407E-A947-70E740481C1C}">
                 <a14:useLocalDpi xmlns:a14="http://schemas.microsoft.com/office/drawing/2010/main" val="0"/>
@@ -4420,13 +6110,13 @@
   <p:clrMapOvr>
     <a:masterClrMapping/>
   </p:clrMapOvr>
-  <mc:AlternateContent xmlns:mc="http://schemas.openxmlformats.org/markup-compatibility/2006">
-    <mc:Choice xmlns:p14="http://schemas.microsoft.com/office/powerpoint/2010/main" Requires="p14">
+  <mc:AlternateContent xmlns:mc="http://schemas.openxmlformats.org/markup-compatibility/2006" xmlns:p14="http://schemas.microsoft.com/office/powerpoint/2010/main">
+    <mc:Choice Requires="p14">
       <p:transition spd="slow" p14:dur="3900">
         <p14:glitter pattern="hexagon"/>
       </p:transition>
     </mc:Choice>
-    <mc:Fallback>
+    <mc:Fallback xmlns="">
       <p:transition spd="slow">
         <p:fade/>
       </p:transition>
@@ -4575,7 +6265,7 @@
           <p:nvPr/>
         </p:nvPicPr>
         <p:blipFill>
-          <a:blip r:embed="rId2">
+          <a:blip r:embed="rId3">
             <a:extLst>
               <a:ext uri="{28A0092B-C50C-407E-A947-70E740481C1C}">
                 <a14:useLocalDpi xmlns:a14="http://schemas.microsoft.com/office/drawing/2010/main" val="0"/>
@@ -4663,7 +6353,7 @@
           <p:nvPr/>
         </p:nvPicPr>
         <p:blipFill>
-          <a:blip r:embed="rId3" cstate="print">
+          <a:blip r:embed="rId4" cstate="print">
             <a:extLst>
               <a:ext uri="{28A0092B-C50C-407E-A947-70E740481C1C}">
                 <a14:useLocalDpi xmlns:a14="http://schemas.microsoft.com/office/drawing/2010/main" val="0"/>
@@ -4694,13 +6384,13 @@
   <p:clrMapOvr>
     <a:masterClrMapping/>
   </p:clrMapOvr>
-  <mc:AlternateContent xmlns:mc="http://schemas.openxmlformats.org/markup-compatibility/2006">
-    <mc:Choice xmlns:p14="http://schemas.microsoft.com/office/powerpoint/2010/main" Requires="p14">
+  <mc:AlternateContent xmlns:mc="http://schemas.openxmlformats.org/markup-compatibility/2006" xmlns:p14="http://schemas.microsoft.com/office/powerpoint/2010/main">
+    <mc:Choice Requires="p14">
       <p:transition spd="slow" p14:dur="4000">
         <p14:vortex dir="r"/>
       </p:transition>
     </mc:Choice>
-    <mc:Fallback>
+    <mc:Fallback xmlns="">
       <p:transition spd="slow">
         <p:fade/>
       </p:transition>
@@ -5033,7 +6723,7 @@
           <p:nvPr/>
         </p:nvPicPr>
         <p:blipFill>
-          <a:blip r:embed="rId2" cstate="print">
+          <a:blip r:embed="rId3" cstate="print">
             <a:extLst>
               <a:ext uri="{28A0092B-C50C-407E-A947-70E740481C1C}">
                 <a14:useLocalDpi xmlns:a14="http://schemas.microsoft.com/office/drawing/2010/main" val="0"/>
@@ -5121,7 +6811,7 @@
           <p:nvPr/>
         </p:nvPicPr>
         <p:blipFill>
-          <a:blip r:embed="rId3">
+          <a:blip r:embed="rId4">
             <a:extLst>
               <a:ext uri="{28A0092B-C50C-407E-A947-70E740481C1C}">
                 <a14:useLocalDpi xmlns:a14="http://schemas.microsoft.com/office/drawing/2010/main" val="0"/>
@@ -5152,13 +6842,13 @@
   <p:clrMapOvr>
     <a:masterClrMapping/>
   </p:clrMapOvr>
-  <mc:AlternateContent xmlns:mc="http://schemas.openxmlformats.org/markup-compatibility/2006">
-    <mc:Choice xmlns:p15="http://schemas.microsoft.com/office/powerpoint/2012/main" Requires="p15">
+  <mc:AlternateContent xmlns:mc="http://schemas.openxmlformats.org/markup-compatibility/2006" xmlns:p15="http://schemas.microsoft.com/office/powerpoint/2012/main">
+    <mc:Choice Requires="p15">
       <p:transition xmlns:p14="http://schemas.microsoft.com/office/powerpoint/2010/main" spd="slow" p14:dur="1250">
         <p15:prstTrans prst="pageCurlDouble"/>
       </p:transition>
     </mc:Choice>
-    <mc:Fallback>
+    <mc:Fallback xmlns="">
       <p:transition spd="slow">
         <p:fade/>
       </p:transition>
@@ -6881,7 +8571,7 @@
           <p:nvPr/>
         </p:nvPicPr>
         <p:blipFill>
-          <a:blip r:embed="rId2" cstate="print">
+          <a:blip r:embed="rId3" cstate="print">
             <a:extLst>
               <a:ext uri="{28A0092B-C50C-407E-A947-70E740481C1C}">
                 <a14:useLocalDpi xmlns:a14="http://schemas.microsoft.com/office/drawing/2010/main" val="0"/>
@@ -6969,7 +8659,7 @@
           <p:nvPr/>
         </p:nvPicPr>
         <p:blipFill>
-          <a:blip r:embed="rId3">
+          <a:blip r:embed="rId4">
             <a:extLst>
               <a:ext uri="{28A0092B-C50C-407E-A947-70E740481C1C}">
                 <a14:useLocalDpi xmlns:a14="http://schemas.microsoft.com/office/drawing/2010/main" val="0"/>
@@ -7000,13 +8690,13 @@
   <p:clrMapOvr>
     <a:masterClrMapping/>
   </p:clrMapOvr>
-  <mc:AlternateContent xmlns:mc="http://schemas.openxmlformats.org/markup-compatibility/2006">
-    <mc:Choice xmlns:p15="http://schemas.microsoft.com/office/powerpoint/2012/main" Requires="p15">
+  <mc:AlternateContent xmlns:mc="http://schemas.openxmlformats.org/markup-compatibility/2006" xmlns:p15="http://schemas.microsoft.com/office/powerpoint/2012/main">
+    <mc:Choice Requires="p15">
       <p:transition xmlns:p14="http://schemas.microsoft.com/office/powerpoint/2010/main" spd="slow" p14:dur="1250">
         <p15:prstTrans prst="pageCurlDouble"/>
       </p:transition>
     </mc:Choice>
-    <mc:Fallback>
+    <mc:Fallback xmlns="">
       <p:transition spd="slow">
         <p:fade/>
       </p:transition>
@@ -7550,7 +9240,7 @@
           <p:nvPr/>
         </p:nvPicPr>
         <p:blipFill>
-          <a:blip r:embed="rId2" cstate="print">
+          <a:blip r:embed="rId3" cstate="print">
             <a:extLst>
               <a:ext uri="{28A0092B-C50C-407E-A947-70E740481C1C}">
                 <a14:useLocalDpi xmlns:a14="http://schemas.microsoft.com/office/drawing/2010/main" val="0"/>
@@ -7638,7 +9328,7 @@
           <p:nvPr/>
         </p:nvPicPr>
         <p:blipFill>
-          <a:blip r:embed="rId3">
+          <a:blip r:embed="rId4">
             <a:extLst>
               <a:ext uri="{28A0092B-C50C-407E-A947-70E740481C1C}">
                 <a14:useLocalDpi xmlns:a14="http://schemas.microsoft.com/office/drawing/2010/main" val="0"/>
@@ -7669,13 +9359,13 @@
   <p:clrMapOvr>
     <a:masterClrMapping/>
   </p:clrMapOvr>
-  <mc:AlternateContent xmlns:mc="http://schemas.openxmlformats.org/markup-compatibility/2006">
-    <mc:Choice xmlns:p15="http://schemas.microsoft.com/office/powerpoint/2012/main" Requires="p15">
+  <mc:AlternateContent xmlns:mc="http://schemas.openxmlformats.org/markup-compatibility/2006" xmlns:p15="http://schemas.microsoft.com/office/powerpoint/2012/main">
+    <mc:Choice Requires="p15">
       <p:transition xmlns:p14="http://schemas.microsoft.com/office/powerpoint/2010/main" spd="slow" p14:dur="1250">
         <p15:prstTrans prst="pageCurlDouble"/>
       </p:transition>
     </mc:Choice>
-    <mc:Fallback>
+    <mc:Fallback xmlns="">
       <p:transition spd="slow">
         <p:fade/>
       </p:transition>
@@ -8186,7 +9876,7 @@
           <p:nvPr/>
         </p:nvPicPr>
         <p:blipFill>
-          <a:blip r:embed="rId2" cstate="print">
+          <a:blip r:embed="rId3" cstate="print">
             <a:extLst>
               <a:ext uri="{28A0092B-C50C-407E-A947-70E740481C1C}">
                 <a14:useLocalDpi xmlns:a14="http://schemas.microsoft.com/office/drawing/2010/main" val="0"/>
@@ -8274,7 +9964,7 @@
           <p:nvPr/>
         </p:nvPicPr>
         <p:blipFill>
-          <a:blip r:embed="rId3">
+          <a:blip r:embed="rId4">
             <a:extLst>
               <a:ext uri="{28A0092B-C50C-407E-A947-70E740481C1C}">
                 <a14:useLocalDpi xmlns:a14="http://schemas.microsoft.com/office/drawing/2010/main" val="0"/>
@@ -8305,13 +9995,13 @@
   <p:clrMapOvr>
     <a:masterClrMapping/>
   </p:clrMapOvr>
-  <mc:AlternateContent xmlns:mc="http://schemas.openxmlformats.org/markup-compatibility/2006">
-    <mc:Choice xmlns:p15="http://schemas.microsoft.com/office/powerpoint/2012/main" Requires="p15">
+  <mc:AlternateContent xmlns:mc="http://schemas.openxmlformats.org/markup-compatibility/2006" xmlns:p15="http://schemas.microsoft.com/office/powerpoint/2012/main">
+    <mc:Choice Requires="p15">
       <p:transition xmlns:p14="http://schemas.microsoft.com/office/powerpoint/2010/main" spd="slow" p14:dur="1250">
         <p15:prstTrans prst="pageCurlDouble"/>
       </p:transition>
     </mc:Choice>
-    <mc:Fallback>
+    <mc:Fallback xmlns="">
       <p:transition spd="slow">
         <p:fade/>
       </p:transition>
@@ -8804,7 +10494,7 @@
           <p:nvPr/>
         </p:nvPicPr>
         <p:blipFill>
-          <a:blip r:embed="rId2" cstate="print">
+          <a:blip r:embed="rId3" cstate="print">
             <a:extLst>
               <a:ext uri="{28A0092B-C50C-407E-A947-70E740481C1C}">
                 <a14:useLocalDpi xmlns:a14="http://schemas.microsoft.com/office/drawing/2010/main" val="0"/>
@@ -8892,7 +10582,7 @@
           <p:nvPr/>
         </p:nvPicPr>
         <p:blipFill>
-          <a:blip r:embed="rId3">
+          <a:blip r:embed="rId4">
             <a:extLst>
               <a:ext uri="{28A0092B-C50C-407E-A947-70E740481C1C}">
                 <a14:useLocalDpi xmlns:a14="http://schemas.microsoft.com/office/drawing/2010/main" val="0"/>
@@ -8923,13 +10613,13 @@
   <p:clrMapOvr>
     <a:masterClrMapping/>
   </p:clrMapOvr>
-  <mc:AlternateContent xmlns:mc="http://schemas.openxmlformats.org/markup-compatibility/2006">
-    <mc:Choice xmlns:p15="http://schemas.microsoft.com/office/powerpoint/2012/main" Requires="p15">
+  <mc:AlternateContent xmlns:mc="http://schemas.openxmlformats.org/markup-compatibility/2006" xmlns:p15="http://schemas.microsoft.com/office/powerpoint/2012/main">
+    <mc:Choice Requires="p15">
       <p:transition xmlns:p14="http://schemas.microsoft.com/office/powerpoint/2010/main" spd="slow" p14:dur="1250">
         <p15:prstTrans prst="pageCurlDouble"/>
       </p:transition>
     </mc:Choice>
-    <mc:Fallback>
+    <mc:Fallback xmlns="">
       <p:transition spd="slow">
         <p:fade/>
       </p:transition>
@@ -9299,7 +10989,7 @@
           <p:nvPr/>
         </p:nvPicPr>
         <p:blipFill>
-          <a:blip r:embed="rId2" cstate="print">
+          <a:blip r:embed="rId3" cstate="print">
             <a:extLst>
               <a:ext uri="{28A0092B-C50C-407E-A947-70E740481C1C}">
                 <a14:useLocalDpi xmlns:a14="http://schemas.microsoft.com/office/drawing/2010/main" val="0"/>
@@ -9387,7 +11077,7 @@
           <p:nvPr/>
         </p:nvPicPr>
         <p:blipFill>
-          <a:blip r:embed="rId3">
+          <a:blip r:embed="rId4">
             <a:extLst>
               <a:ext uri="{28A0092B-C50C-407E-A947-70E740481C1C}">
                 <a14:useLocalDpi xmlns:a14="http://schemas.microsoft.com/office/drawing/2010/main" val="0"/>
@@ -9418,13 +11108,13 @@
   <p:clrMapOvr>
     <a:masterClrMapping/>
   </p:clrMapOvr>
-  <mc:AlternateContent xmlns:mc="http://schemas.openxmlformats.org/markup-compatibility/2006">
-    <mc:Choice xmlns:p15="http://schemas.microsoft.com/office/powerpoint/2012/main" Requires="p15">
+  <mc:AlternateContent xmlns:mc="http://schemas.openxmlformats.org/markup-compatibility/2006" xmlns:p15="http://schemas.microsoft.com/office/powerpoint/2012/main">
+    <mc:Choice Requires="p15">
       <p:transition xmlns:p14="http://schemas.microsoft.com/office/powerpoint/2010/main" spd="slow" p14:dur="1250">
         <p15:prstTrans prst="pageCurlDouble"/>
       </p:transition>
     </mc:Choice>
-    <mc:Fallback>
+    <mc:Fallback xmlns="">
       <p:transition spd="slow">
         <p:fade/>
       </p:transition>
@@ -9734,7 +11424,7 @@
           <p:nvPr/>
         </p:nvPicPr>
         <p:blipFill>
-          <a:blip r:embed="rId2" cstate="print">
+          <a:blip r:embed="rId3" cstate="print">
             <a:extLst>
               <a:ext uri="{28A0092B-C50C-407E-A947-70E740481C1C}">
                 <a14:useLocalDpi xmlns:a14="http://schemas.microsoft.com/office/drawing/2010/main" val="0"/>
@@ -9822,7 +11512,7 @@
           <p:nvPr/>
         </p:nvPicPr>
         <p:blipFill>
-          <a:blip r:embed="rId3">
+          <a:blip r:embed="rId4">
             <a:extLst>
               <a:ext uri="{28A0092B-C50C-407E-A947-70E740481C1C}">
                 <a14:useLocalDpi xmlns:a14="http://schemas.microsoft.com/office/drawing/2010/main" val="0"/>
@@ -9853,13 +11543,13 @@
   <p:clrMapOvr>
     <a:masterClrMapping/>
   </p:clrMapOvr>
-  <mc:AlternateContent xmlns:mc="http://schemas.openxmlformats.org/markup-compatibility/2006">
-    <mc:Choice xmlns:p15="http://schemas.microsoft.com/office/powerpoint/2012/main" Requires="p15">
+  <mc:AlternateContent xmlns:mc="http://schemas.openxmlformats.org/markup-compatibility/2006" xmlns:p15="http://schemas.microsoft.com/office/powerpoint/2012/main">
+    <mc:Choice Requires="p15">
       <p:transition xmlns:p14="http://schemas.microsoft.com/office/powerpoint/2010/main" spd="slow" p14:dur="1250">
         <p15:prstTrans prst="pageCurlDouble"/>
       </p:transition>
     </mc:Choice>
-    <mc:Fallback>
+    <mc:Fallback xmlns="">
       <p:transition spd="slow">
         <p:fade/>
       </p:transition>
@@ -10405,6 +12095,301 @@
         <a:font script="Viet" typeface="Arial"/>
         <a:font script="Uigh" typeface="Microsoft Uighur"/>
         <a:font script="Geor" typeface="Sylfaen"/>
+      </a:minorFont>
+    </a:fontScheme>
+    <a:fmtScheme name="Office">
+      <a:fillStyleLst>
+        <a:solidFill>
+          <a:schemeClr val="phClr"/>
+        </a:solidFill>
+        <a:gradFill rotWithShape="1">
+          <a:gsLst>
+            <a:gs pos="0">
+              <a:schemeClr val="phClr">
+                <a:lumMod val="110000"/>
+                <a:satMod val="105000"/>
+                <a:tint val="67000"/>
+              </a:schemeClr>
+            </a:gs>
+            <a:gs pos="50000">
+              <a:schemeClr val="phClr">
+                <a:lumMod val="105000"/>
+                <a:satMod val="103000"/>
+                <a:tint val="73000"/>
+              </a:schemeClr>
+            </a:gs>
+            <a:gs pos="100000">
+              <a:schemeClr val="phClr">
+                <a:lumMod val="105000"/>
+                <a:satMod val="109000"/>
+                <a:tint val="81000"/>
+              </a:schemeClr>
+            </a:gs>
+          </a:gsLst>
+          <a:lin ang="5400000" scaled="0"/>
+        </a:gradFill>
+        <a:gradFill rotWithShape="1">
+          <a:gsLst>
+            <a:gs pos="0">
+              <a:schemeClr val="phClr">
+                <a:satMod val="103000"/>
+                <a:lumMod val="102000"/>
+                <a:tint val="94000"/>
+              </a:schemeClr>
+            </a:gs>
+            <a:gs pos="50000">
+              <a:schemeClr val="phClr">
+                <a:satMod val="110000"/>
+                <a:lumMod val="100000"/>
+                <a:shade val="100000"/>
+              </a:schemeClr>
+            </a:gs>
+            <a:gs pos="100000">
+              <a:schemeClr val="phClr">
+                <a:lumMod val="99000"/>
+                <a:satMod val="120000"/>
+                <a:shade val="78000"/>
+              </a:schemeClr>
+            </a:gs>
+          </a:gsLst>
+          <a:lin ang="5400000" scaled="0"/>
+        </a:gradFill>
+      </a:fillStyleLst>
+      <a:lnStyleLst>
+        <a:ln w="6350" cap="flat" cmpd="sng" algn="ctr">
+          <a:solidFill>
+            <a:schemeClr val="phClr"/>
+          </a:solidFill>
+          <a:prstDash val="solid"/>
+          <a:miter lim="800000"/>
+        </a:ln>
+        <a:ln w="12700" cap="flat" cmpd="sng" algn="ctr">
+          <a:solidFill>
+            <a:schemeClr val="phClr"/>
+          </a:solidFill>
+          <a:prstDash val="solid"/>
+          <a:miter lim="800000"/>
+        </a:ln>
+        <a:ln w="19050" cap="flat" cmpd="sng" algn="ctr">
+          <a:solidFill>
+            <a:schemeClr val="phClr"/>
+          </a:solidFill>
+          <a:prstDash val="solid"/>
+          <a:miter lim="800000"/>
+        </a:ln>
+      </a:lnStyleLst>
+      <a:effectStyleLst>
+        <a:effectStyle>
+          <a:effectLst/>
+        </a:effectStyle>
+        <a:effectStyle>
+          <a:effectLst/>
+        </a:effectStyle>
+        <a:effectStyle>
+          <a:effectLst>
+            <a:outerShdw blurRad="57150" dist="19050" dir="5400000" algn="ctr" rotWithShape="0">
+              <a:srgbClr val="000000">
+                <a:alpha val="63000"/>
+              </a:srgbClr>
+            </a:outerShdw>
+          </a:effectLst>
+        </a:effectStyle>
+      </a:effectStyleLst>
+      <a:bgFillStyleLst>
+        <a:solidFill>
+          <a:schemeClr val="phClr"/>
+        </a:solidFill>
+        <a:solidFill>
+          <a:schemeClr val="phClr">
+            <a:tint val="95000"/>
+            <a:satMod val="170000"/>
+          </a:schemeClr>
+        </a:solidFill>
+        <a:gradFill rotWithShape="1">
+          <a:gsLst>
+            <a:gs pos="0">
+              <a:schemeClr val="phClr">
+                <a:tint val="93000"/>
+                <a:satMod val="150000"/>
+                <a:shade val="98000"/>
+                <a:lumMod val="102000"/>
+              </a:schemeClr>
+            </a:gs>
+            <a:gs pos="50000">
+              <a:schemeClr val="phClr">
+                <a:tint val="98000"/>
+                <a:satMod val="130000"/>
+                <a:shade val="90000"/>
+                <a:lumMod val="103000"/>
+              </a:schemeClr>
+            </a:gs>
+            <a:gs pos="100000">
+              <a:schemeClr val="phClr">
+                <a:shade val="63000"/>
+                <a:satMod val="120000"/>
+              </a:schemeClr>
+            </a:gs>
+          </a:gsLst>
+          <a:lin ang="5400000" scaled="0"/>
+        </a:gradFill>
+      </a:bgFillStyleLst>
+    </a:fmtScheme>
+  </a:themeElements>
+  <a:objectDefaults/>
+  <a:extraClrSchemeLst/>
+  <a:extLst>
+    <a:ext uri="{05A4C25C-085E-4340-85A3-A5531E510DB2}">
+      <thm15:themeFamily xmlns:thm15="http://schemas.microsoft.com/office/thememl/2012/main" name="Office Theme" id="{62F939B6-93AF-4DB8-9C6B-D6C7DFDC589F}" vid="{4A3C46E8-61CC-4603-A589-7422A47A8E4A}"/>
+    </a:ext>
+  </a:extLst>
+</a:theme>
+</file>
+
+<file path=ppt/theme/theme2.xml><?xml version="1.0" encoding="utf-8"?>
+<a:theme xmlns:a="http://schemas.openxmlformats.org/drawingml/2006/main" name="Office Theme">
+  <a:themeElements>
+    <a:clrScheme name="Office">
+      <a:dk1>
+        <a:sysClr val="windowText" lastClr="000000"/>
+      </a:dk1>
+      <a:lt1>
+        <a:sysClr val="window" lastClr="FFFFFF"/>
+      </a:lt1>
+      <a:dk2>
+        <a:srgbClr val="44546A"/>
+      </a:dk2>
+      <a:lt2>
+        <a:srgbClr val="E7E6E6"/>
+      </a:lt2>
+      <a:accent1>
+        <a:srgbClr val="4472C4"/>
+      </a:accent1>
+      <a:accent2>
+        <a:srgbClr val="ED7D31"/>
+      </a:accent2>
+      <a:accent3>
+        <a:srgbClr val="A5A5A5"/>
+      </a:accent3>
+      <a:accent4>
+        <a:srgbClr val="FFC000"/>
+      </a:accent4>
+      <a:accent5>
+        <a:srgbClr val="5B9BD5"/>
+      </a:accent5>
+      <a:accent6>
+        <a:srgbClr val="70AD47"/>
+      </a:accent6>
+      <a:hlink>
+        <a:srgbClr val="0563C1"/>
+      </a:hlink>
+      <a:folHlink>
+        <a:srgbClr val="954F72"/>
+      </a:folHlink>
+    </a:clrScheme>
+    <a:fontScheme name="Office">
+      <a:majorFont>
+        <a:latin typeface="Calibri Light" panose="020F0302020204030204"/>
+        <a:ea typeface=""/>
+        <a:cs typeface=""/>
+        <a:font script="Jpan" typeface="游ゴシック Light"/>
+        <a:font script="Hang" typeface="맑은 고딕"/>
+        <a:font script="Hans" typeface="等线 Light"/>
+        <a:font script="Hant" typeface="新細明體"/>
+        <a:font script="Arab" typeface="Times New Roman"/>
+        <a:font script="Hebr" typeface="Times New Roman"/>
+        <a:font script="Thai" typeface="Angsana New"/>
+        <a:font script="Ethi" typeface="Nyala"/>
+        <a:font script="Beng" typeface="Vrinda"/>
+        <a:font script="Gujr" typeface="Shruti"/>
+        <a:font script="Khmr" typeface="MoolBoran"/>
+        <a:font script="Knda" typeface="Tunga"/>
+        <a:font script="Guru" typeface="Raavi"/>
+        <a:font script="Cans" typeface="Euphemia"/>
+        <a:font script="Cher" typeface="Plantagenet Cherokee"/>
+        <a:font script="Yiii" typeface="Microsoft Yi Baiti"/>
+        <a:font script="Tibt" typeface="Microsoft Himalaya"/>
+        <a:font script="Thaa" typeface="MV Boli"/>
+        <a:font script="Deva" typeface="Mangal"/>
+        <a:font script="Telu" typeface="Gautami"/>
+        <a:font script="Taml" typeface="Latha"/>
+        <a:font script="Syrc" typeface="Estrangelo Edessa"/>
+        <a:font script="Orya" typeface="Kalinga"/>
+        <a:font script="Mlym" typeface="Kartika"/>
+        <a:font script="Laoo" typeface="DokChampa"/>
+        <a:font script="Sinh" typeface="Iskoola Pota"/>
+        <a:font script="Mong" typeface="Mongolian Baiti"/>
+        <a:font script="Viet" typeface="Times New Roman"/>
+        <a:font script="Uigh" typeface="Microsoft Uighur"/>
+        <a:font script="Geor" typeface="Sylfaen"/>
+        <a:font script="Armn" typeface="Arial"/>
+        <a:font script="Bugi" typeface="Leelawadee UI"/>
+        <a:font script="Bopo" typeface="Microsoft JhengHei"/>
+        <a:font script="Java" typeface="Javanese Text"/>
+        <a:font script="Lisu" typeface="Segoe UI"/>
+        <a:font script="Mymr" typeface="Myanmar Text"/>
+        <a:font script="Nkoo" typeface="Ebrima"/>
+        <a:font script="Olck" typeface="Nirmala UI"/>
+        <a:font script="Osma" typeface="Ebrima"/>
+        <a:font script="Phag" typeface="Phagspa"/>
+        <a:font script="Syrn" typeface="Estrangelo Edessa"/>
+        <a:font script="Syrj" typeface="Estrangelo Edessa"/>
+        <a:font script="Syre" typeface="Estrangelo Edessa"/>
+        <a:font script="Sora" typeface="Nirmala UI"/>
+        <a:font script="Tale" typeface="Microsoft Tai Le"/>
+        <a:font script="Talu" typeface="Microsoft New Tai Lue"/>
+        <a:font script="Tfng" typeface="Ebrima"/>
+      </a:majorFont>
+      <a:minorFont>
+        <a:latin typeface="Calibri" panose="020F0502020204030204"/>
+        <a:ea typeface=""/>
+        <a:cs typeface=""/>
+        <a:font script="Jpan" typeface="游ゴシック"/>
+        <a:font script="Hang" typeface="맑은 고딕"/>
+        <a:font script="Hans" typeface="等线"/>
+        <a:font script="Hant" typeface="新細明體"/>
+        <a:font script="Arab" typeface="Arial"/>
+        <a:font script="Hebr" typeface="Arial"/>
+        <a:font script="Thai" typeface="Cordia New"/>
+        <a:font script="Ethi" typeface="Nyala"/>
+        <a:font script="Beng" typeface="Vrinda"/>
+        <a:font script="Gujr" typeface="Shruti"/>
+        <a:font script="Khmr" typeface="DaunPenh"/>
+        <a:font script="Knda" typeface="Tunga"/>
+        <a:font script="Guru" typeface="Raavi"/>
+        <a:font script="Cans" typeface="Euphemia"/>
+        <a:font script="Cher" typeface="Plantagenet Cherokee"/>
+        <a:font script="Yiii" typeface="Microsoft Yi Baiti"/>
+        <a:font script="Tibt" typeface="Microsoft Himalaya"/>
+        <a:font script="Thaa" typeface="MV Boli"/>
+        <a:font script="Deva" typeface="Mangal"/>
+        <a:font script="Telu" typeface="Gautami"/>
+        <a:font script="Taml" typeface="Latha"/>
+        <a:font script="Syrc" typeface="Estrangelo Edessa"/>
+        <a:font script="Orya" typeface="Kalinga"/>
+        <a:font script="Mlym" typeface="Kartika"/>
+        <a:font script="Laoo" typeface="DokChampa"/>
+        <a:font script="Sinh" typeface="Iskoola Pota"/>
+        <a:font script="Mong" typeface="Mongolian Baiti"/>
+        <a:font script="Viet" typeface="Arial"/>
+        <a:font script="Uigh" typeface="Microsoft Uighur"/>
+        <a:font script="Geor" typeface="Sylfaen"/>
+        <a:font script="Armn" typeface="Arial"/>
+        <a:font script="Bugi" typeface="Leelawadee UI"/>
+        <a:font script="Bopo" typeface="Microsoft JhengHei"/>
+        <a:font script="Java" typeface="Javanese Text"/>
+        <a:font script="Lisu" typeface="Segoe UI"/>
+        <a:font script="Mymr" typeface="Myanmar Text"/>
+        <a:font script="Nkoo" typeface="Ebrima"/>
+        <a:font script="Olck" typeface="Nirmala UI"/>
+        <a:font script="Osma" typeface="Ebrima"/>
+        <a:font script="Phag" typeface="Phagspa"/>
+        <a:font script="Syrn" typeface="Estrangelo Edessa"/>
+        <a:font script="Syrj" typeface="Estrangelo Edessa"/>
+        <a:font script="Syre" typeface="Estrangelo Edessa"/>
+        <a:font script="Sora" typeface="Nirmala UI"/>
+        <a:font script="Tale" typeface="Microsoft Tai Le"/>
+        <a:font script="Talu" typeface="Microsoft New Tai Lue"/>
+        <a:font script="Tfng" typeface="Ebrima"/>
       </a:minorFont>
     </a:fontScheme>
     <a:fmtScheme name="Office">
